--- a/DiagramArtwork.pptx
+++ b/DiagramArtwork.pptx
@@ -6,6 +6,7 @@
   </p:sldMasterIdLst>
   <p:sldIdLst>
     <p:sldId id="256" r:id="rId2"/>
+    <p:sldId id="257" r:id="rId3"/>
   </p:sldIdLst>
   <p:sldSz cx="12192000" cy="6858000"/>
   <p:notesSz cx="6858000" cy="9144000"/>
@@ -4688,6 +4689,2093 @@
 </p:sld>
 </file>
 
+<file path=ppt/slides/slide2.xml><?xml version="1.0" encoding="utf-8"?>
+<p:sld xmlns:a="http://schemas.openxmlformats.org/drawingml/2006/main" xmlns:r="http://schemas.openxmlformats.org/officeDocument/2006/relationships" xmlns:p="http://schemas.openxmlformats.org/presentationml/2006/main">
+  <p:cSld>
+    <p:spTree>
+      <p:nvGrpSpPr>
+        <p:cNvPr id="1" name=""/>
+        <p:cNvGrpSpPr/>
+        <p:nvPr/>
+      </p:nvGrpSpPr>
+      <p:grpSpPr>
+        <a:xfrm>
+          <a:off x="0" y="0"/>
+          <a:ext cx="0" cy="0"/>
+          <a:chOff x="0" y="0"/>
+          <a:chExt cx="0" cy="0"/>
+        </a:xfrm>
+      </p:grpSpPr>
+      <p:cxnSp>
+        <p:nvCxnSpPr>
+          <p:cNvPr id="21" name="Straight Connector 20">
+            <a:extLst>
+              <a:ext uri="{FF2B5EF4-FFF2-40B4-BE49-F238E27FC236}">
+                <a16:creationId xmlns:a16="http://schemas.microsoft.com/office/drawing/2014/main" id="{266FD7EB-6EA4-1D48-897C-2FBF5A924304}"/>
+              </a:ext>
+            </a:extLst>
+          </p:cNvPr>
+          <p:cNvCxnSpPr>
+            <a:cxnSpLocks/>
+          </p:cNvCxnSpPr>
+          <p:nvPr/>
+        </p:nvCxnSpPr>
+        <p:spPr>
+          <a:xfrm flipV="1">
+            <a:off x="5800105" y="3058280"/>
+            <a:ext cx="1" cy="2642326"/>
+          </a:xfrm>
+          <a:prstGeom prst="line">
+            <a:avLst/>
+          </a:prstGeom>
+          <a:ln w="60325">
+            <a:prstDash val="sysDash"/>
+          </a:ln>
+        </p:spPr>
+        <p:style>
+          <a:lnRef idx="1">
+            <a:schemeClr val="accent1"/>
+          </a:lnRef>
+          <a:fillRef idx="0">
+            <a:schemeClr val="accent1"/>
+          </a:fillRef>
+          <a:effectRef idx="0">
+            <a:schemeClr val="accent1"/>
+          </a:effectRef>
+          <a:fontRef idx="minor">
+            <a:schemeClr val="tx1"/>
+          </a:fontRef>
+        </p:style>
+      </p:cxnSp>
+      <p:cxnSp>
+        <p:nvCxnSpPr>
+          <p:cNvPr id="41" name="Straight Connector 40">
+            <a:extLst>
+              <a:ext uri="{FF2B5EF4-FFF2-40B4-BE49-F238E27FC236}">
+                <a16:creationId xmlns:a16="http://schemas.microsoft.com/office/drawing/2014/main" id="{27660D01-C3F3-0E42-9540-A5B67047FAF5}"/>
+              </a:ext>
+            </a:extLst>
+          </p:cNvPr>
+          <p:cNvCxnSpPr>
+            <a:cxnSpLocks/>
+          </p:cNvCxnSpPr>
+          <p:nvPr/>
+        </p:nvCxnSpPr>
+        <p:spPr>
+          <a:xfrm flipV="1">
+            <a:off x="4691463" y="3053093"/>
+            <a:ext cx="1063921" cy="2924700"/>
+          </a:xfrm>
+          <a:prstGeom prst="line">
+            <a:avLst/>
+          </a:prstGeom>
+          <a:ln w="60325">
+            <a:headEnd type="triangle" w="lg" len="lg"/>
+            <a:tailEnd type="none"/>
+          </a:ln>
+        </p:spPr>
+        <p:style>
+          <a:lnRef idx="1">
+            <a:schemeClr val="accent1"/>
+          </a:lnRef>
+          <a:fillRef idx="0">
+            <a:schemeClr val="accent1"/>
+          </a:fillRef>
+          <a:effectRef idx="0">
+            <a:schemeClr val="accent1"/>
+          </a:effectRef>
+          <a:fontRef idx="minor">
+            <a:schemeClr val="tx1"/>
+          </a:fontRef>
+        </p:style>
+      </p:cxnSp>
+      <p:sp>
+        <p:nvSpPr>
+          <p:cNvPr id="47" name="TextBox 46">
+            <a:extLst>
+              <a:ext uri="{FF2B5EF4-FFF2-40B4-BE49-F238E27FC236}">
+                <a16:creationId xmlns:a16="http://schemas.microsoft.com/office/drawing/2014/main" id="{BEF78C57-9742-B947-BED0-3AF313D668CD}"/>
+              </a:ext>
+            </a:extLst>
+          </p:cNvPr>
+          <p:cNvSpPr txBox="1"/>
+          <p:nvPr/>
+        </p:nvSpPr>
+        <p:spPr>
+          <a:xfrm>
+            <a:off x="5117471" y="353301"/>
+            <a:ext cx="1387040" cy="523220"/>
+          </a:xfrm>
+          <a:prstGeom prst="rect">
+            <a:avLst/>
+          </a:prstGeom>
+          <a:noFill/>
+        </p:spPr>
+        <p:txBody>
+          <a:bodyPr wrap="square" rtlCol="0">
+            <a:spAutoFit/>
+          </a:bodyPr>
+          <a:lstStyle/>
+          <a:p>
+            <a:r>
+              <a:rPr lang="en-US" sz="2800" dirty="0"/>
+              <a:t>Heading</a:t>
+            </a:r>
+          </a:p>
+        </p:txBody>
+      </p:sp>
+      <p:cxnSp>
+        <p:nvCxnSpPr>
+          <p:cNvPr id="40" name="Straight Connector 39">
+            <a:extLst>
+              <a:ext uri="{FF2B5EF4-FFF2-40B4-BE49-F238E27FC236}">
+                <a16:creationId xmlns:a16="http://schemas.microsoft.com/office/drawing/2014/main" id="{10F09283-08D6-CD42-80B9-89D01B9F4AD1}"/>
+              </a:ext>
+            </a:extLst>
+          </p:cNvPr>
+          <p:cNvCxnSpPr>
+            <a:cxnSpLocks/>
+          </p:cNvCxnSpPr>
+          <p:nvPr/>
+        </p:nvCxnSpPr>
+        <p:spPr>
+          <a:xfrm flipV="1">
+            <a:off x="5800105" y="805856"/>
+            <a:ext cx="1" cy="1102921"/>
+          </a:xfrm>
+          <a:prstGeom prst="line">
+            <a:avLst/>
+          </a:prstGeom>
+          <a:ln w="60325">
+            <a:tailEnd type="triangle" w="lg" len="lg"/>
+          </a:ln>
+        </p:spPr>
+        <p:style>
+          <a:lnRef idx="1">
+            <a:schemeClr val="accent1"/>
+          </a:lnRef>
+          <a:fillRef idx="0">
+            <a:schemeClr val="accent1"/>
+          </a:fillRef>
+          <a:effectRef idx="0">
+            <a:schemeClr val="accent1"/>
+          </a:effectRef>
+          <a:fontRef idx="minor">
+            <a:schemeClr val="tx1"/>
+          </a:fontRef>
+        </p:style>
+      </p:cxnSp>
+      <p:sp>
+        <p:nvSpPr>
+          <p:cNvPr id="10" name="Freeform 9">
+            <a:extLst>
+              <a:ext uri="{FF2B5EF4-FFF2-40B4-BE49-F238E27FC236}">
+                <a16:creationId xmlns:a16="http://schemas.microsoft.com/office/drawing/2014/main" id="{C545F64A-2DEE-6745-A82A-281AFEB0B369}"/>
+              </a:ext>
+            </a:extLst>
+          </p:cNvPr>
+          <p:cNvSpPr/>
+          <p:nvPr/>
+        </p:nvSpPr>
+        <p:spPr>
+          <a:xfrm>
+            <a:off x="5645120" y="1990595"/>
+            <a:ext cx="319018" cy="1015409"/>
+          </a:xfrm>
+          <a:custGeom>
+            <a:avLst/>
+            <a:gdLst>
+              <a:gd name="connsiteX0" fmla="*/ 175438 w 318977"/>
+              <a:gd name="connsiteY0" fmla="*/ 0 h 1020725"/>
+              <a:gd name="connsiteX1" fmla="*/ 318977 w 318977"/>
+              <a:gd name="connsiteY1" fmla="*/ 281763 h 1020725"/>
+              <a:gd name="connsiteX2" fmla="*/ 313661 w 318977"/>
+              <a:gd name="connsiteY2" fmla="*/ 584790 h 1020725"/>
+              <a:gd name="connsiteX3" fmla="*/ 249866 w 318977"/>
+              <a:gd name="connsiteY3" fmla="*/ 1020725 h 1020725"/>
+              <a:gd name="connsiteX4" fmla="*/ 53163 w 318977"/>
+              <a:gd name="connsiteY4" fmla="*/ 1020725 h 1020725"/>
+              <a:gd name="connsiteX5" fmla="*/ 0 w 318977"/>
+              <a:gd name="connsiteY5" fmla="*/ 643270 h 1020725"/>
+              <a:gd name="connsiteX6" fmla="*/ 5317 w 318977"/>
+              <a:gd name="connsiteY6" fmla="*/ 308344 h 1020725"/>
+              <a:gd name="connsiteX7" fmla="*/ 175438 w 318977"/>
+              <a:gd name="connsiteY7" fmla="*/ 0 h 1020725"/>
+              <a:gd name="connsiteX0" fmla="*/ 175438 w 318977"/>
+              <a:gd name="connsiteY0" fmla="*/ 0 h 1020725"/>
+              <a:gd name="connsiteX1" fmla="*/ 318977 w 318977"/>
+              <a:gd name="connsiteY1" fmla="*/ 281763 h 1020725"/>
+              <a:gd name="connsiteX2" fmla="*/ 313661 w 318977"/>
+              <a:gd name="connsiteY2" fmla="*/ 648586 h 1020725"/>
+              <a:gd name="connsiteX3" fmla="*/ 249866 w 318977"/>
+              <a:gd name="connsiteY3" fmla="*/ 1020725 h 1020725"/>
+              <a:gd name="connsiteX4" fmla="*/ 53163 w 318977"/>
+              <a:gd name="connsiteY4" fmla="*/ 1020725 h 1020725"/>
+              <a:gd name="connsiteX5" fmla="*/ 0 w 318977"/>
+              <a:gd name="connsiteY5" fmla="*/ 643270 h 1020725"/>
+              <a:gd name="connsiteX6" fmla="*/ 5317 w 318977"/>
+              <a:gd name="connsiteY6" fmla="*/ 308344 h 1020725"/>
+              <a:gd name="connsiteX7" fmla="*/ 175438 w 318977"/>
+              <a:gd name="connsiteY7" fmla="*/ 0 h 1020725"/>
+              <a:gd name="connsiteX0" fmla="*/ 175438 w 318977"/>
+              <a:gd name="connsiteY0" fmla="*/ 0 h 1020725"/>
+              <a:gd name="connsiteX1" fmla="*/ 318977 w 318977"/>
+              <a:gd name="connsiteY1" fmla="*/ 303028 h 1020725"/>
+              <a:gd name="connsiteX2" fmla="*/ 313661 w 318977"/>
+              <a:gd name="connsiteY2" fmla="*/ 648586 h 1020725"/>
+              <a:gd name="connsiteX3" fmla="*/ 249866 w 318977"/>
+              <a:gd name="connsiteY3" fmla="*/ 1020725 h 1020725"/>
+              <a:gd name="connsiteX4" fmla="*/ 53163 w 318977"/>
+              <a:gd name="connsiteY4" fmla="*/ 1020725 h 1020725"/>
+              <a:gd name="connsiteX5" fmla="*/ 0 w 318977"/>
+              <a:gd name="connsiteY5" fmla="*/ 643270 h 1020725"/>
+              <a:gd name="connsiteX6" fmla="*/ 5317 w 318977"/>
+              <a:gd name="connsiteY6" fmla="*/ 308344 h 1020725"/>
+              <a:gd name="connsiteX7" fmla="*/ 175438 w 318977"/>
+              <a:gd name="connsiteY7" fmla="*/ 0 h 1020725"/>
+              <a:gd name="connsiteX0" fmla="*/ 175438 w 319719"/>
+              <a:gd name="connsiteY0" fmla="*/ 0 h 1020725"/>
+              <a:gd name="connsiteX1" fmla="*/ 318977 w 319719"/>
+              <a:gd name="connsiteY1" fmla="*/ 303028 h 1020725"/>
+              <a:gd name="connsiteX2" fmla="*/ 313661 w 319719"/>
+              <a:gd name="connsiteY2" fmla="*/ 648586 h 1020725"/>
+              <a:gd name="connsiteX3" fmla="*/ 249866 w 319719"/>
+              <a:gd name="connsiteY3" fmla="*/ 1020725 h 1020725"/>
+              <a:gd name="connsiteX4" fmla="*/ 53163 w 319719"/>
+              <a:gd name="connsiteY4" fmla="*/ 1020725 h 1020725"/>
+              <a:gd name="connsiteX5" fmla="*/ 0 w 319719"/>
+              <a:gd name="connsiteY5" fmla="*/ 643270 h 1020725"/>
+              <a:gd name="connsiteX6" fmla="*/ 5317 w 319719"/>
+              <a:gd name="connsiteY6" fmla="*/ 308344 h 1020725"/>
+              <a:gd name="connsiteX7" fmla="*/ 175438 w 319719"/>
+              <a:gd name="connsiteY7" fmla="*/ 0 h 1020725"/>
+              <a:gd name="connsiteX0" fmla="*/ 175438 w 319719"/>
+              <a:gd name="connsiteY0" fmla="*/ 0 h 1020725"/>
+              <a:gd name="connsiteX1" fmla="*/ 318977 w 319719"/>
+              <a:gd name="connsiteY1" fmla="*/ 303028 h 1020725"/>
+              <a:gd name="connsiteX2" fmla="*/ 313661 w 319719"/>
+              <a:gd name="connsiteY2" fmla="*/ 648586 h 1020725"/>
+              <a:gd name="connsiteX3" fmla="*/ 249866 w 319719"/>
+              <a:gd name="connsiteY3" fmla="*/ 1020725 h 1020725"/>
+              <a:gd name="connsiteX4" fmla="*/ 53163 w 319719"/>
+              <a:gd name="connsiteY4" fmla="*/ 1020725 h 1020725"/>
+              <a:gd name="connsiteX5" fmla="*/ 0 w 319719"/>
+              <a:gd name="connsiteY5" fmla="*/ 643270 h 1020725"/>
+              <a:gd name="connsiteX6" fmla="*/ 5317 w 319719"/>
+              <a:gd name="connsiteY6" fmla="*/ 308344 h 1020725"/>
+              <a:gd name="connsiteX7" fmla="*/ 175438 w 319719"/>
+              <a:gd name="connsiteY7" fmla="*/ 0 h 1020725"/>
+              <a:gd name="connsiteX0" fmla="*/ 175438 w 319719"/>
+              <a:gd name="connsiteY0" fmla="*/ 0 h 1020725"/>
+              <a:gd name="connsiteX1" fmla="*/ 318977 w 319719"/>
+              <a:gd name="connsiteY1" fmla="*/ 303028 h 1020725"/>
+              <a:gd name="connsiteX2" fmla="*/ 313661 w 319719"/>
+              <a:gd name="connsiteY2" fmla="*/ 648586 h 1020725"/>
+              <a:gd name="connsiteX3" fmla="*/ 249866 w 319719"/>
+              <a:gd name="connsiteY3" fmla="*/ 1020725 h 1020725"/>
+              <a:gd name="connsiteX4" fmla="*/ 53163 w 319719"/>
+              <a:gd name="connsiteY4" fmla="*/ 1020725 h 1020725"/>
+              <a:gd name="connsiteX5" fmla="*/ 0 w 319719"/>
+              <a:gd name="connsiteY5" fmla="*/ 643270 h 1020725"/>
+              <a:gd name="connsiteX6" fmla="*/ 5317 w 319719"/>
+              <a:gd name="connsiteY6" fmla="*/ 308344 h 1020725"/>
+              <a:gd name="connsiteX7" fmla="*/ 175438 w 319719"/>
+              <a:gd name="connsiteY7" fmla="*/ 0 h 1020725"/>
+              <a:gd name="connsiteX0" fmla="*/ 175438 w 318977"/>
+              <a:gd name="connsiteY0" fmla="*/ 0 h 1020725"/>
+              <a:gd name="connsiteX1" fmla="*/ 318977 w 318977"/>
+              <a:gd name="connsiteY1" fmla="*/ 303028 h 1020725"/>
+              <a:gd name="connsiteX2" fmla="*/ 313661 w 318977"/>
+              <a:gd name="connsiteY2" fmla="*/ 648586 h 1020725"/>
+              <a:gd name="connsiteX3" fmla="*/ 249866 w 318977"/>
+              <a:gd name="connsiteY3" fmla="*/ 1020725 h 1020725"/>
+              <a:gd name="connsiteX4" fmla="*/ 53163 w 318977"/>
+              <a:gd name="connsiteY4" fmla="*/ 1020725 h 1020725"/>
+              <a:gd name="connsiteX5" fmla="*/ 0 w 318977"/>
+              <a:gd name="connsiteY5" fmla="*/ 643270 h 1020725"/>
+              <a:gd name="connsiteX6" fmla="*/ 5317 w 318977"/>
+              <a:gd name="connsiteY6" fmla="*/ 308344 h 1020725"/>
+              <a:gd name="connsiteX7" fmla="*/ 175438 w 318977"/>
+              <a:gd name="connsiteY7" fmla="*/ 0 h 1020725"/>
+              <a:gd name="connsiteX0" fmla="*/ 175438 w 318977"/>
+              <a:gd name="connsiteY0" fmla="*/ 0 h 1020725"/>
+              <a:gd name="connsiteX1" fmla="*/ 318977 w 318977"/>
+              <a:gd name="connsiteY1" fmla="*/ 303028 h 1020725"/>
+              <a:gd name="connsiteX2" fmla="*/ 313661 w 318977"/>
+              <a:gd name="connsiteY2" fmla="*/ 648586 h 1020725"/>
+              <a:gd name="connsiteX3" fmla="*/ 249866 w 318977"/>
+              <a:gd name="connsiteY3" fmla="*/ 1020725 h 1020725"/>
+              <a:gd name="connsiteX4" fmla="*/ 53163 w 318977"/>
+              <a:gd name="connsiteY4" fmla="*/ 1020725 h 1020725"/>
+              <a:gd name="connsiteX5" fmla="*/ 0 w 318977"/>
+              <a:gd name="connsiteY5" fmla="*/ 643270 h 1020725"/>
+              <a:gd name="connsiteX6" fmla="*/ 5317 w 318977"/>
+              <a:gd name="connsiteY6" fmla="*/ 308344 h 1020725"/>
+              <a:gd name="connsiteX7" fmla="*/ 175438 w 318977"/>
+              <a:gd name="connsiteY7" fmla="*/ 0 h 1020725"/>
+              <a:gd name="connsiteX0" fmla="*/ 175438 w 318977"/>
+              <a:gd name="connsiteY0" fmla="*/ 0 h 1020725"/>
+              <a:gd name="connsiteX1" fmla="*/ 318977 w 318977"/>
+              <a:gd name="connsiteY1" fmla="*/ 303028 h 1020725"/>
+              <a:gd name="connsiteX2" fmla="*/ 313661 w 318977"/>
+              <a:gd name="connsiteY2" fmla="*/ 648586 h 1020725"/>
+              <a:gd name="connsiteX3" fmla="*/ 249866 w 318977"/>
+              <a:gd name="connsiteY3" fmla="*/ 1020725 h 1020725"/>
+              <a:gd name="connsiteX4" fmla="*/ 53163 w 318977"/>
+              <a:gd name="connsiteY4" fmla="*/ 1020725 h 1020725"/>
+              <a:gd name="connsiteX5" fmla="*/ 0 w 318977"/>
+              <a:gd name="connsiteY5" fmla="*/ 643270 h 1020725"/>
+              <a:gd name="connsiteX6" fmla="*/ 5317 w 318977"/>
+              <a:gd name="connsiteY6" fmla="*/ 308344 h 1020725"/>
+              <a:gd name="connsiteX7" fmla="*/ 175438 w 318977"/>
+              <a:gd name="connsiteY7" fmla="*/ 0 h 1020725"/>
+              <a:gd name="connsiteX0" fmla="*/ 164806 w 318977"/>
+              <a:gd name="connsiteY0" fmla="*/ 0 h 1015409"/>
+              <a:gd name="connsiteX1" fmla="*/ 318977 w 318977"/>
+              <a:gd name="connsiteY1" fmla="*/ 297712 h 1015409"/>
+              <a:gd name="connsiteX2" fmla="*/ 313661 w 318977"/>
+              <a:gd name="connsiteY2" fmla="*/ 643270 h 1015409"/>
+              <a:gd name="connsiteX3" fmla="*/ 249866 w 318977"/>
+              <a:gd name="connsiteY3" fmla="*/ 1015409 h 1015409"/>
+              <a:gd name="connsiteX4" fmla="*/ 53163 w 318977"/>
+              <a:gd name="connsiteY4" fmla="*/ 1015409 h 1015409"/>
+              <a:gd name="connsiteX5" fmla="*/ 0 w 318977"/>
+              <a:gd name="connsiteY5" fmla="*/ 637954 h 1015409"/>
+              <a:gd name="connsiteX6" fmla="*/ 5317 w 318977"/>
+              <a:gd name="connsiteY6" fmla="*/ 303028 h 1015409"/>
+              <a:gd name="connsiteX7" fmla="*/ 164806 w 318977"/>
+              <a:gd name="connsiteY7" fmla="*/ 0 h 1015409"/>
+              <a:gd name="connsiteX0" fmla="*/ 164806 w 318977"/>
+              <a:gd name="connsiteY0" fmla="*/ 0 h 1015409"/>
+              <a:gd name="connsiteX1" fmla="*/ 318977 w 318977"/>
+              <a:gd name="connsiteY1" fmla="*/ 297712 h 1015409"/>
+              <a:gd name="connsiteX2" fmla="*/ 313661 w 318977"/>
+              <a:gd name="connsiteY2" fmla="*/ 643270 h 1015409"/>
+              <a:gd name="connsiteX3" fmla="*/ 249866 w 318977"/>
+              <a:gd name="connsiteY3" fmla="*/ 1015409 h 1015409"/>
+              <a:gd name="connsiteX4" fmla="*/ 53163 w 318977"/>
+              <a:gd name="connsiteY4" fmla="*/ 1015409 h 1015409"/>
+              <a:gd name="connsiteX5" fmla="*/ 0 w 318977"/>
+              <a:gd name="connsiteY5" fmla="*/ 637954 h 1015409"/>
+              <a:gd name="connsiteX6" fmla="*/ 5317 w 318977"/>
+              <a:gd name="connsiteY6" fmla="*/ 303028 h 1015409"/>
+              <a:gd name="connsiteX7" fmla="*/ 164806 w 318977"/>
+              <a:gd name="connsiteY7" fmla="*/ 0 h 1015409"/>
+              <a:gd name="connsiteX0" fmla="*/ 164806 w 318977"/>
+              <a:gd name="connsiteY0" fmla="*/ 0 h 1015409"/>
+              <a:gd name="connsiteX1" fmla="*/ 318977 w 318977"/>
+              <a:gd name="connsiteY1" fmla="*/ 297712 h 1015409"/>
+              <a:gd name="connsiteX2" fmla="*/ 313661 w 318977"/>
+              <a:gd name="connsiteY2" fmla="*/ 643270 h 1015409"/>
+              <a:gd name="connsiteX3" fmla="*/ 249866 w 318977"/>
+              <a:gd name="connsiteY3" fmla="*/ 1015409 h 1015409"/>
+              <a:gd name="connsiteX4" fmla="*/ 53163 w 318977"/>
+              <a:gd name="connsiteY4" fmla="*/ 1015409 h 1015409"/>
+              <a:gd name="connsiteX5" fmla="*/ 0 w 318977"/>
+              <a:gd name="connsiteY5" fmla="*/ 637954 h 1015409"/>
+              <a:gd name="connsiteX6" fmla="*/ 5317 w 318977"/>
+              <a:gd name="connsiteY6" fmla="*/ 303028 h 1015409"/>
+              <a:gd name="connsiteX7" fmla="*/ 164806 w 318977"/>
+              <a:gd name="connsiteY7" fmla="*/ 0 h 1015409"/>
+              <a:gd name="connsiteX0" fmla="*/ 164806 w 318977"/>
+              <a:gd name="connsiteY0" fmla="*/ 0 h 1015409"/>
+              <a:gd name="connsiteX1" fmla="*/ 318977 w 318977"/>
+              <a:gd name="connsiteY1" fmla="*/ 297712 h 1015409"/>
+              <a:gd name="connsiteX2" fmla="*/ 313661 w 318977"/>
+              <a:gd name="connsiteY2" fmla="*/ 643270 h 1015409"/>
+              <a:gd name="connsiteX3" fmla="*/ 249866 w 318977"/>
+              <a:gd name="connsiteY3" fmla="*/ 1015409 h 1015409"/>
+              <a:gd name="connsiteX4" fmla="*/ 53163 w 318977"/>
+              <a:gd name="connsiteY4" fmla="*/ 1015409 h 1015409"/>
+              <a:gd name="connsiteX5" fmla="*/ 0 w 318977"/>
+              <a:gd name="connsiteY5" fmla="*/ 637954 h 1015409"/>
+              <a:gd name="connsiteX6" fmla="*/ 5317 w 318977"/>
+              <a:gd name="connsiteY6" fmla="*/ 303028 h 1015409"/>
+              <a:gd name="connsiteX7" fmla="*/ 164806 w 318977"/>
+              <a:gd name="connsiteY7" fmla="*/ 0 h 1015409"/>
+              <a:gd name="connsiteX0" fmla="*/ 164806 w 318977"/>
+              <a:gd name="connsiteY0" fmla="*/ 0 h 1015409"/>
+              <a:gd name="connsiteX1" fmla="*/ 318977 w 318977"/>
+              <a:gd name="connsiteY1" fmla="*/ 297712 h 1015409"/>
+              <a:gd name="connsiteX2" fmla="*/ 313661 w 318977"/>
+              <a:gd name="connsiteY2" fmla="*/ 643270 h 1015409"/>
+              <a:gd name="connsiteX3" fmla="*/ 249866 w 318977"/>
+              <a:gd name="connsiteY3" fmla="*/ 1015409 h 1015409"/>
+              <a:gd name="connsiteX4" fmla="*/ 53163 w 318977"/>
+              <a:gd name="connsiteY4" fmla="*/ 1015409 h 1015409"/>
+              <a:gd name="connsiteX5" fmla="*/ 0 w 318977"/>
+              <a:gd name="connsiteY5" fmla="*/ 637954 h 1015409"/>
+              <a:gd name="connsiteX6" fmla="*/ 5317 w 318977"/>
+              <a:gd name="connsiteY6" fmla="*/ 303028 h 1015409"/>
+              <a:gd name="connsiteX7" fmla="*/ 164806 w 318977"/>
+              <a:gd name="connsiteY7" fmla="*/ 0 h 1015409"/>
+              <a:gd name="connsiteX0" fmla="*/ 164806 w 319018"/>
+              <a:gd name="connsiteY0" fmla="*/ 0 h 1015409"/>
+              <a:gd name="connsiteX1" fmla="*/ 318977 w 319018"/>
+              <a:gd name="connsiteY1" fmla="*/ 297712 h 1015409"/>
+              <a:gd name="connsiteX2" fmla="*/ 313661 w 319018"/>
+              <a:gd name="connsiteY2" fmla="*/ 643270 h 1015409"/>
+              <a:gd name="connsiteX3" fmla="*/ 249866 w 319018"/>
+              <a:gd name="connsiteY3" fmla="*/ 1015409 h 1015409"/>
+              <a:gd name="connsiteX4" fmla="*/ 53163 w 319018"/>
+              <a:gd name="connsiteY4" fmla="*/ 1015409 h 1015409"/>
+              <a:gd name="connsiteX5" fmla="*/ 0 w 319018"/>
+              <a:gd name="connsiteY5" fmla="*/ 637954 h 1015409"/>
+              <a:gd name="connsiteX6" fmla="*/ 5317 w 319018"/>
+              <a:gd name="connsiteY6" fmla="*/ 303028 h 1015409"/>
+              <a:gd name="connsiteX7" fmla="*/ 164806 w 319018"/>
+              <a:gd name="connsiteY7" fmla="*/ 0 h 1015409"/>
+              <a:gd name="connsiteX0" fmla="*/ 164806 w 319018"/>
+              <a:gd name="connsiteY0" fmla="*/ 0 h 1015409"/>
+              <a:gd name="connsiteX1" fmla="*/ 318977 w 319018"/>
+              <a:gd name="connsiteY1" fmla="*/ 297712 h 1015409"/>
+              <a:gd name="connsiteX2" fmla="*/ 313661 w 319018"/>
+              <a:gd name="connsiteY2" fmla="*/ 643270 h 1015409"/>
+              <a:gd name="connsiteX3" fmla="*/ 249866 w 319018"/>
+              <a:gd name="connsiteY3" fmla="*/ 1015409 h 1015409"/>
+              <a:gd name="connsiteX4" fmla="*/ 53163 w 319018"/>
+              <a:gd name="connsiteY4" fmla="*/ 1015409 h 1015409"/>
+              <a:gd name="connsiteX5" fmla="*/ 0 w 319018"/>
+              <a:gd name="connsiteY5" fmla="*/ 637954 h 1015409"/>
+              <a:gd name="connsiteX6" fmla="*/ 5317 w 319018"/>
+              <a:gd name="connsiteY6" fmla="*/ 303028 h 1015409"/>
+              <a:gd name="connsiteX7" fmla="*/ 164806 w 319018"/>
+              <a:gd name="connsiteY7" fmla="*/ 0 h 1015409"/>
+              <a:gd name="connsiteX0" fmla="*/ 164806 w 319018"/>
+              <a:gd name="connsiteY0" fmla="*/ 0 h 1015409"/>
+              <a:gd name="connsiteX1" fmla="*/ 318977 w 319018"/>
+              <a:gd name="connsiteY1" fmla="*/ 297712 h 1015409"/>
+              <a:gd name="connsiteX2" fmla="*/ 313661 w 319018"/>
+              <a:gd name="connsiteY2" fmla="*/ 643270 h 1015409"/>
+              <a:gd name="connsiteX3" fmla="*/ 249866 w 319018"/>
+              <a:gd name="connsiteY3" fmla="*/ 1015409 h 1015409"/>
+              <a:gd name="connsiteX4" fmla="*/ 53163 w 319018"/>
+              <a:gd name="connsiteY4" fmla="*/ 1015409 h 1015409"/>
+              <a:gd name="connsiteX5" fmla="*/ 0 w 319018"/>
+              <a:gd name="connsiteY5" fmla="*/ 637954 h 1015409"/>
+              <a:gd name="connsiteX6" fmla="*/ 5317 w 319018"/>
+              <a:gd name="connsiteY6" fmla="*/ 303028 h 1015409"/>
+              <a:gd name="connsiteX7" fmla="*/ 164806 w 319018"/>
+              <a:gd name="connsiteY7" fmla="*/ 0 h 1015409"/>
+              <a:gd name="connsiteX0" fmla="*/ 164806 w 319018"/>
+              <a:gd name="connsiteY0" fmla="*/ 0 h 1015409"/>
+              <a:gd name="connsiteX1" fmla="*/ 318977 w 319018"/>
+              <a:gd name="connsiteY1" fmla="*/ 297712 h 1015409"/>
+              <a:gd name="connsiteX2" fmla="*/ 313661 w 319018"/>
+              <a:gd name="connsiteY2" fmla="*/ 643270 h 1015409"/>
+              <a:gd name="connsiteX3" fmla="*/ 249866 w 319018"/>
+              <a:gd name="connsiteY3" fmla="*/ 1015409 h 1015409"/>
+              <a:gd name="connsiteX4" fmla="*/ 53163 w 319018"/>
+              <a:gd name="connsiteY4" fmla="*/ 1015409 h 1015409"/>
+              <a:gd name="connsiteX5" fmla="*/ 0 w 319018"/>
+              <a:gd name="connsiteY5" fmla="*/ 637954 h 1015409"/>
+              <a:gd name="connsiteX6" fmla="*/ 5317 w 319018"/>
+              <a:gd name="connsiteY6" fmla="*/ 303028 h 1015409"/>
+              <a:gd name="connsiteX7" fmla="*/ 164806 w 319018"/>
+              <a:gd name="connsiteY7" fmla="*/ 0 h 1015409"/>
+            </a:gdLst>
+            <a:ahLst/>
+            <a:cxnLst>
+              <a:cxn ang="0">
+                <a:pos x="connsiteX0" y="connsiteY0"/>
+              </a:cxn>
+              <a:cxn ang="0">
+                <a:pos x="connsiteX1" y="connsiteY1"/>
+              </a:cxn>
+              <a:cxn ang="0">
+                <a:pos x="connsiteX2" y="connsiteY2"/>
+              </a:cxn>
+              <a:cxn ang="0">
+                <a:pos x="connsiteX3" y="connsiteY3"/>
+              </a:cxn>
+              <a:cxn ang="0">
+                <a:pos x="connsiteX4" y="connsiteY4"/>
+              </a:cxn>
+              <a:cxn ang="0">
+                <a:pos x="connsiteX5" y="connsiteY5"/>
+              </a:cxn>
+              <a:cxn ang="0">
+                <a:pos x="connsiteX6" y="connsiteY6"/>
+              </a:cxn>
+              <a:cxn ang="0">
+                <a:pos x="connsiteX7" y="connsiteY7"/>
+              </a:cxn>
+            </a:cxnLst>
+            <a:rect l="l" t="t" r="r" b="b"/>
+            <a:pathLst>
+              <a:path w="319018" h="1015409">
+                <a:moveTo>
+                  <a:pt x="164806" y="0"/>
+                </a:moveTo>
+                <a:cubicBezTo>
+                  <a:pt x="255182" y="38691"/>
+                  <a:pt x="320898" y="156979"/>
+                  <a:pt x="318977" y="297712"/>
+                </a:cubicBezTo>
+                <a:lnTo>
+                  <a:pt x="313661" y="643270"/>
+                </a:lnTo>
+                <a:cubicBezTo>
+                  <a:pt x="287080" y="900223"/>
+                  <a:pt x="271131" y="891363"/>
+                  <a:pt x="249866" y="1015409"/>
+                </a:cubicBezTo>
+                <a:lnTo>
+                  <a:pt x="53163" y="1015409"/>
+                </a:lnTo>
+                <a:cubicBezTo>
+                  <a:pt x="35442" y="889591"/>
+                  <a:pt x="7088" y="933893"/>
+                  <a:pt x="0" y="637954"/>
+                </a:cubicBezTo>
+                <a:cubicBezTo>
+                  <a:pt x="1772" y="526312"/>
+                  <a:pt x="3545" y="414670"/>
+                  <a:pt x="5317" y="303028"/>
+                </a:cubicBezTo>
+                <a:cubicBezTo>
+                  <a:pt x="16467" y="122496"/>
+                  <a:pt x="67710" y="48806"/>
+                  <a:pt x="164806" y="0"/>
+                </a:cubicBezTo>
+                <a:close/>
+              </a:path>
+            </a:pathLst>
+          </a:custGeom>
+          <a:noFill/>
+          <a:ln w="38100"/>
+        </p:spPr>
+        <p:style>
+          <a:lnRef idx="2">
+            <a:schemeClr val="accent1">
+              <a:shade val="50000"/>
+            </a:schemeClr>
+          </a:lnRef>
+          <a:fillRef idx="1">
+            <a:schemeClr val="accent1"/>
+          </a:fillRef>
+          <a:effectRef idx="0">
+            <a:schemeClr val="accent1"/>
+          </a:effectRef>
+          <a:fontRef idx="minor">
+            <a:schemeClr val="lt1"/>
+          </a:fontRef>
+        </p:style>
+        <p:txBody>
+          <a:bodyPr rtlCol="0" anchor="ctr"/>
+          <a:lstStyle/>
+          <a:p>
+            <a:pPr algn="ctr"/>
+            <a:endParaRPr lang="en-US"/>
+          </a:p>
+        </p:txBody>
+      </p:sp>
+      <p:sp>
+        <p:nvSpPr>
+          <p:cNvPr id="53" name="TextBox 52">
+            <a:extLst>
+              <a:ext uri="{FF2B5EF4-FFF2-40B4-BE49-F238E27FC236}">
+                <a16:creationId xmlns:a16="http://schemas.microsoft.com/office/drawing/2014/main" id="{6D15B1FF-14EE-0D40-9637-AB2ACD6B7D4F}"/>
+              </a:ext>
+            </a:extLst>
+          </p:cNvPr>
+          <p:cNvSpPr txBox="1"/>
+          <p:nvPr/>
+        </p:nvSpPr>
+        <p:spPr>
+          <a:xfrm>
+            <a:off x="5971343" y="800782"/>
+            <a:ext cx="938440" cy="523220"/>
+          </a:xfrm>
+          <a:prstGeom prst="rect">
+            <a:avLst/>
+          </a:prstGeom>
+          <a:noFill/>
+        </p:spPr>
+        <p:txBody>
+          <a:bodyPr wrap="square" rtlCol="0">
+            <a:spAutoFit/>
+          </a:bodyPr>
+          <a:lstStyle/>
+          <a:p>
+            <a:r>
+              <a:rPr lang="en-US" sz="2800" dirty="0"/>
+              <a:t>000</a:t>
+            </a:r>
+            <a:r>
+              <a:rPr lang="en-GB" sz="2800" dirty="0"/>
+              <a:t>°</a:t>
+            </a:r>
+            <a:endParaRPr lang="en-US" sz="2800" dirty="0"/>
+          </a:p>
+        </p:txBody>
+      </p:sp>
+      <p:sp>
+        <p:nvSpPr>
+          <p:cNvPr id="54" name="Freeform 53">
+            <a:extLst>
+              <a:ext uri="{FF2B5EF4-FFF2-40B4-BE49-F238E27FC236}">
+                <a16:creationId xmlns:a16="http://schemas.microsoft.com/office/drawing/2014/main" id="{5C6775D4-53AE-A542-879B-429171F1005E}"/>
+              </a:ext>
+            </a:extLst>
+          </p:cNvPr>
+          <p:cNvSpPr/>
+          <p:nvPr/>
+        </p:nvSpPr>
+        <p:spPr>
+          <a:xfrm>
+            <a:off x="4531954" y="5470089"/>
+            <a:ext cx="319018" cy="1015409"/>
+          </a:xfrm>
+          <a:custGeom>
+            <a:avLst/>
+            <a:gdLst>
+              <a:gd name="connsiteX0" fmla="*/ 175438 w 318977"/>
+              <a:gd name="connsiteY0" fmla="*/ 0 h 1020725"/>
+              <a:gd name="connsiteX1" fmla="*/ 318977 w 318977"/>
+              <a:gd name="connsiteY1" fmla="*/ 281763 h 1020725"/>
+              <a:gd name="connsiteX2" fmla="*/ 313661 w 318977"/>
+              <a:gd name="connsiteY2" fmla="*/ 584790 h 1020725"/>
+              <a:gd name="connsiteX3" fmla="*/ 249866 w 318977"/>
+              <a:gd name="connsiteY3" fmla="*/ 1020725 h 1020725"/>
+              <a:gd name="connsiteX4" fmla="*/ 53163 w 318977"/>
+              <a:gd name="connsiteY4" fmla="*/ 1020725 h 1020725"/>
+              <a:gd name="connsiteX5" fmla="*/ 0 w 318977"/>
+              <a:gd name="connsiteY5" fmla="*/ 643270 h 1020725"/>
+              <a:gd name="connsiteX6" fmla="*/ 5317 w 318977"/>
+              <a:gd name="connsiteY6" fmla="*/ 308344 h 1020725"/>
+              <a:gd name="connsiteX7" fmla="*/ 175438 w 318977"/>
+              <a:gd name="connsiteY7" fmla="*/ 0 h 1020725"/>
+              <a:gd name="connsiteX0" fmla="*/ 175438 w 318977"/>
+              <a:gd name="connsiteY0" fmla="*/ 0 h 1020725"/>
+              <a:gd name="connsiteX1" fmla="*/ 318977 w 318977"/>
+              <a:gd name="connsiteY1" fmla="*/ 281763 h 1020725"/>
+              <a:gd name="connsiteX2" fmla="*/ 313661 w 318977"/>
+              <a:gd name="connsiteY2" fmla="*/ 648586 h 1020725"/>
+              <a:gd name="connsiteX3" fmla="*/ 249866 w 318977"/>
+              <a:gd name="connsiteY3" fmla="*/ 1020725 h 1020725"/>
+              <a:gd name="connsiteX4" fmla="*/ 53163 w 318977"/>
+              <a:gd name="connsiteY4" fmla="*/ 1020725 h 1020725"/>
+              <a:gd name="connsiteX5" fmla="*/ 0 w 318977"/>
+              <a:gd name="connsiteY5" fmla="*/ 643270 h 1020725"/>
+              <a:gd name="connsiteX6" fmla="*/ 5317 w 318977"/>
+              <a:gd name="connsiteY6" fmla="*/ 308344 h 1020725"/>
+              <a:gd name="connsiteX7" fmla="*/ 175438 w 318977"/>
+              <a:gd name="connsiteY7" fmla="*/ 0 h 1020725"/>
+              <a:gd name="connsiteX0" fmla="*/ 175438 w 318977"/>
+              <a:gd name="connsiteY0" fmla="*/ 0 h 1020725"/>
+              <a:gd name="connsiteX1" fmla="*/ 318977 w 318977"/>
+              <a:gd name="connsiteY1" fmla="*/ 303028 h 1020725"/>
+              <a:gd name="connsiteX2" fmla="*/ 313661 w 318977"/>
+              <a:gd name="connsiteY2" fmla="*/ 648586 h 1020725"/>
+              <a:gd name="connsiteX3" fmla="*/ 249866 w 318977"/>
+              <a:gd name="connsiteY3" fmla="*/ 1020725 h 1020725"/>
+              <a:gd name="connsiteX4" fmla="*/ 53163 w 318977"/>
+              <a:gd name="connsiteY4" fmla="*/ 1020725 h 1020725"/>
+              <a:gd name="connsiteX5" fmla="*/ 0 w 318977"/>
+              <a:gd name="connsiteY5" fmla="*/ 643270 h 1020725"/>
+              <a:gd name="connsiteX6" fmla="*/ 5317 w 318977"/>
+              <a:gd name="connsiteY6" fmla="*/ 308344 h 1020725"/>
+              <a:gd name="connsiteX7" fmla="*/ 175438 w 318977"/>
+              <a:gd name="connsiteY7" fmla="*/ 0 h 1020725"/>
+              <a:gd name="connsiteX0" fmla="*/ 175438 w 319719"/>
+              <a:gd name="connsiteY0" fmla="*/ 0 h 1020725"/>
+              <a:gd name="connsiteX1" fmla="*/ 318977 w 319719"/>
+              <a:gd name="connsiteY1" fmla="*/ 303028 h 1020725"/>
+              <a:gd name="connsiteX2" fmla="*/ 313661 w 319719"/>
+              <a:gd name="connsiteY2" fmla="*/ 648586 h 1020725"/>
+              <a:gd name="connsiteX3" fmla="*/ 249866 w 319719"/>
+              <a:gd name="connsiteY3" fmla="*/ 1020725 h 1020725"/>
+              <a:gd name="connsiteX4" fmla="*/ 53163 w 319719"/>
+              <a:gd name="connsiteY4" fmla="*/ 1020725 h 1020725"/>
+              <a:gd name="connsiteX5" fmla="*/ 0 w 319719"/>
+              <a:gd name="connsiteY5" fmla="*/ 643270 h 1020725"/>
+              <a:gd name="connsiteX6" fmla="*/ 5317 w 319719"/>
+              <a:gd name="connsiteY6" fmla="*/ 308344 h 1020725"/>
+              <a:gd name="connsiteX7" fmla="*/ 175438 w 319719"/>
+              <a:gd name="connsiteY7" fmla="*/ 0 h 1020725"/>
+              <a:gd name="connsiteX0" fmla="*/ 175438 w 319719"/>
+              <a:gd name="connsiteY0" fmla="*/ 0 h 1020725"/>
+              <a:gd name="connsiteX1" fmla="*/ 318977 w 319719"/>
+              <a:gd name="connsiteY1" fmla="*/ 303028 h 1020725"/>
+              <a:gd name="connsiteX2" fmla="*/ 313661 w 319719"/>
+              <a:gd name="connsiteY2" fmla="*/ 648586 h 1020725"/>
+              <a:gd name="connsiteX3" fmla="*/ 249866 w 319719"/>
+              <a:gd name="connsiteY3" fmla="*/ 1020725 h 1020725"/>
+              <a:gd name="connsiteX4" fmla="*/ 53163 w 319719"/>
+              <a:gd name="connsiteY4" fmla="*/ 1020725 h 1020725"/>
+              <a:gd name="connsiteX5" fmla="*/ 0 w 319719"/>
+              <a:gd name="connsiteY5" fmla="*/ 643270 h 1020725"/>
+              <a:gd name="connsiteX6" fmla="*/ 5317 w 319719"/>
+              <a:gd name="connsiteY6" fmla="*/ 308344 h 1020725"/>
+              <a:gd name="connsiteX7" fmla="*/ 175438 w 319719"/>
+              <a:gd name="connsiteY7" fmla="*/ 0 h 1020725"/>
+              <a:gd name="connsiteX0" fmla="*/ 175438 w 319719"/>
+              <a:gd name="connsiteY0" fmla="*/ 0 h 1020725"/>
+              <a:gd name="connsiteX1" fmla="*/ 318977 w 319719"/>
+              <a:gd name="connsiteY1" fmla="*/ 303028 h 1020725"/>
+              <a:gd name="connsiteX2" fmla="*/ 313661 w 319719"/>
+              <a:gd name="connsiteY2" fmla="*/ 648586 h 1020725"/>
+              <a:gd name="connsiteX3" fmla="*/ 249866 w 319719"/>
+              <a:gd name="connsiteY3" fmla="*/ 1020725 h 1020725"/>
+              <a:gd name="connsiteX4" fmla="*/ 53163 w 319719"/>
+              <a:gd name="connsiteY4" fmla="*/ 1020725 h 1020725"/>
+              <a:gd name="connsiteX5" fmla="*/ 0 w 319719"/>
+              <a:gd name="connsiteY5" fmla="*/ 643270 h 1020725"/>
+              <a:gd name="connsiteX6" fmla="*/ 5317 w 319719"/>
+              <a:gd name="connsiteY6" fmla="*/ 308344 h 1020725"/>
+              <a:gd name="connsiteX7" fmla="*/ 175438 w 319719"/>
+              <a:gd name="connsiteY7" fmla="*/ 0 h 1020725"/>
+              <a:gd name="connsiteX0" fmla="*/ 175438 w 318977"/>
+              <a:gd name="connsiteY0" fmla="*/ 0 h 1020725"/>
+              <a:gd name="connsiteX1" fmla="*/ 318977 w 318977"/>
+              <a:gd name="connsiteY1" fmla="*/ 303028 h 1020725"/>
+              <a:gd name="connsiteX2" fmla="*/ 313661 w 318977"/>
+              <a:gd name="connsiteY2" fmla="*/ 648586 h 1020725"/>
+              <a:gd name="connsiteX3" fmla="*/ 249866 w 318977"/>
+              <a:gd name="connsiteY3" fmla="*/ 1020725 h 1020725"/>
+              <a:gd name="connsiteX4" fmla="*/ 53163 w 318977"/>
+              <a:gd name="connsiteY4" fmla="*/ 1020725 h 1020725"/>
+              <a:gd name="connsiteX5" fmla="*/ 0 w 318977"/>
+              <a:gd name="connsiteY5" fmla="*/ 643270 h 1020725"/>
+              <a:gd name="connsiteX6" fmla="*/ 5317 w 318977"/>
+              <a:gd name="connsiteY6" fmla="*/ 308344 h 1020725"/>
+              <a:gd name="connsiteX7" fmla="*/ 175438 w 318977"/>
+              <a:gd name="connsiteY7" fmla="*/ 0 h 1020725"/>
+              <a:gd name="connsiteX0" fmla="*/ 175438 w 318977"/>
+              <a:gd name="connsiteY0" fmla="*/ 0 h 1020725"/>
+              <a:gd name="connsiteX1" fmla="*/ 318977 w 318977"/>
+              <a:gd name="connsiteY1" fmla="*/ 303028 h 1020725"/>
+              <a:gd name="connsiteX2" fmla="*/ 313661 w 318977"/>
+              <a:gd name="connsiteY2" fmla="*/ 648586 h 1020725"/>
+              <a:gd name="connsiteX3" fmla="*/ 249866 w 318977"/>
+              <a:gd name="connsiteY3" fmla="*/ 1020725 h 1020725"/>
+              <a:gd name="connsiteX4" fmla="*/ 53163 w 318977"/>
+              <a:gd name="connsiteY4" fmla="*/ 1020725 h 1020725"/>
+              <a:gd name="connsiteX5" fmla="*/ 0 w 318977"/>
+              <a:gd name="connsiteY5" fmla="*/ 643270 h 1020725"/>
+              <a:gd name="connsiteX6" fmla="*/ 5317 w 318977"/>
+              <a:gd name="connsiteY6" fmla="*/ 308344 h 1020725"/>
+              <a:gd name="connsiteX7" fmla="*/ 175438 w 318977"/>
+              <a:gd name="connsiteY7" fmla="*/ 0 h 1020725"/>
+              <a:gd name="connsiteX0" fmla="*/ 175438 w 318977"/>
+              <a:gd name="connsiteY0" fmla="*/ 0 h 1020725"/>
+              <a:gd name="connsiteX1" fmla="*/ 318977 w 318977"/>
+              <a:gd name="connsiteY1" fmla="*/ 303028 h 1020725"/>
+              <a:gd name="connsiteX2" fmla="*/ 313661 w 318977"/>
+              <a:gd name="connsiteY2" fmla="*/ 648586 h 1020725"/>
+              <a:gd name="connsiteX3" fmla="*/ 249866 w 318977"/>
+              <a:gd name="connsiteY3" fmla="*/ 1020725 h 1020725"/>
+              <a:gd name="connsiteX4" fmla="*/ 53163 w 318977"/>
+              <a:gd name="connsiteY4" fmla="*/ 1020725 h 1020725"/>
+              <a:gd name="connsiteX5" fmla="*/ 0 w 318977"/>
+              <a:gd name="connsiteY5" fmla="*/ 643270 h 1020725"/>
+              <a:gd name="connsiteX6" fmla="*/ 5317 w 318977"/>
+              <a:gd name="connsiteY6" fmla="*/ 308344 h 1020725"/>
+              <a:gd name="connsiteX7" fmla="*/ 175438 w 318977"/>
+              <a:gd name="connsiteY7" fmla="*/ 0 h 1020725"/>
+              <a:gd name="connsiteX0" fmla="*/ 164806 w 318977"/>
+              <a:gd name="connsiteY0" fmla="*/ 0 h 1015409"/>
+              <a:gd name="connsiteX1" fmla="*/ 318977 w 318977"/>
+              <a:gd name="connsiteY1" fmla="*/ 297712 h 1015409"/>
+              <a:gd name="connsiteX2" fmla="*/ 313661 w 318977"/>
+              <a:gd name="connsiteY2" fmla="*/ 643270 h 1015409"/>
+              <a:gd name="connsiteX3" fmla="*/ 249866 w 318977"/>
+              <a:gd name="connsiteY3" fmla="*/ 1015409 h 1015409"/>
+              <a:gd name="connsiteX4" fmla="*/ 53163 w 318977"/>
+              <a:gd name="connsiteY4" fmla="*/ 1015409 h 1015409"/>
+              <a:gd name="connsiteX5" fmla="*/ 0 w 318977"/>
+              <a:gd name="connsiteY5" fmla="*/ 637954 h 1015409"/>
+              <a:gd name="connsiteX6" fmla="*/ 5317 w 318977"/>
+              <a:gd name="connsiteY6" fmla="*/ 303028 h 1015409"/>
+              <a:gd name="connsiteX7" fmla="*/ 164806 w 318977"/>
+              <a:gd name="connsiteY7" fmla="*/ 0 h 1015409"/>
+              <a:gd name="connsiteX0" fmla="*/ 164806 w 318977"/>
+              <a:gd name="connsiteY0" fmla="*/ 0 h 1015409"/>
+              <a:gd name="connsiteX1" fmla="*/ 318977 w 318977"/>
+              <a:gd name="connsiteY1" fmla="*/ 297712 h 1015409"/>
+              <a:gd name="connsiteX2" fmla="*/ 313661 w 318977"/>
+              <a:gd name="connsiteY2" fmla="*/ 643270 h 1015409"/>
+              <a:gd name="connsiteX3" fmla="*/ 249866 w 318977"/>
+              <a:gd name="connsiteY3" fmla="*/ 1015409 h 1015409"/>
+              <a:gd name="connsiteX4" fmla="*/ 53163 w 318977"/>
+              <a:gd name="connsiteY4" fmla="*/ 1015409 h 1015409"/>
+              <a:gd name="connsiteX5" fmla="*/ 0 w 318977"/>
+              <a:gd name="connsiteY5" fmla="*/ 637954 h 1015409"/>
+              <a:gd name="connsiteX6" fmla="*/ 5317 w 318977"/>
+              <a:gd name="connsiteY6" fmla="*/ 303028 h 1015409"/>
+              <a:gd name="connsiteX7" fmla="*/ 164806 w 318977"/>
+              <a:gd name="connsiteY7" fmla="*/ 0 h 1015409"/>
+              <a:gd name="connsiteX0" fmla="*/ 164806 w 318977"/>
+              <a:gd name="connsiteY0" fmla="*/ 0 h 1015409"/>
+              <a:gd name="connsiteX1" fmla="*/ 318977 w 318977"/>
+              <a:gd name="connsiteY1" fmla="*/ 297712 h 1015409"/>
+              <a:gd name="connsiteX2" fmla="*/ 313661 w 318977"/>
+              <a:gd name="connsiteY2" fmla="*/ 643270 h 1015409"/>
+              <a:gd name="connsiteX3" fmla="*/ 249866 w 318977"/>
+              <a:gd name="connsiteY3" fmla="*/ 1015409 h 1015409"/>
+              <a:gd name="connsiteX4" fmla="*/ 53163 w 318977"/>
+              <a:gd name="connsiteY4" fmla="*/ 1015409 h 1015409"/>
+              <a:gd name="connsiteX5" fmla="*/ 0 w 318977"/>
+              <a:gd name="connsiteY5" fmla="*/ 637954 h 1015409"/>
+              <a:gd name="connsiteX6" fmla="*/ 5317 w 318977"/>
+              <a:gd name="connsiteY6" fmla="*/ 303028 h 1015409"/>
+              <a:gd name="connsiteX7" fmla="*/ 164806 w 318977"/>
+              <a:gd name="connsiteY7" fmla="*/ 0 h 1015409"/>
+              <a:gd name="connsiteX0" fmla="*/ 164806 w 318977"/>
+              <a:gd name="connsiteY0" fmla="*/ 0 h 1015409"/>
+              <a:gd name="connsiteX1" fmla="*/ 318977 w 318977"/>
+              <a:gd name="connsiteY1" fmla="*/ 297712 h 1015409"/>
+              <a:gd name="connsiteX2" fmla="*/ 313661 w 318977"/>
+              <a:gd name="connsiteY2" fmla="*/ 643270 h 1015409"/>
+              <a:gd name="connsiteX3" fmla="*/ 249866 w 318977"/>
+              <a:gd name="connsiteY3" fmla="*/ 1015409 h 1015409"/>
+              <a:gd name="connsiteX4" fmla="*/ 53163 w 318977"/>
+              <a:gd name="connsiteY4" fmla="*/ 1015409 h 1015409"/>
+              <a:gd name="connsiteX5" fmla="*/ 0 w 318977"/>
+              <a:gd name="connsiteY5" fmla="*/ 637954 h 1015409"/>
+              <a:gd name="connsiteX6" fmla="*/ 5317 w 318977"/>
+              <a:gd name="connsiteY6" fmla="*/ 303028 h 1015409"/>
+              <a:gd name="connsiteX7" fmla="*/ 164806 w 318977"/>
+              <a:gd name="connsiteY7" fmla="*/ 0 h 1015409"/>
+              <a:gd name="connsiteX0" fmla="*/ 164806 w 318977"/>
+              <a:gd name="connsiteY0" fmla="*/ 0 h 1015409"/>
+              <a:gd name="connsiteX1" fmla="*/ 318977 w 318977"/>
+              <a:gd name="connsiteY1" fmla="*/ 297712 h 1015409"/>
+              <a:gd name="connsiteX2" fmla="*/ 313661 w 318977"/>
+              <a:gd name="connsiteY2" fmla="*/ 643270 h 1015409"/>
+              <a:gd name="connsiteX3" fmla="*/ 249866 w 318977"/>
+              <a:gd name="connsiteY3" fmla="*/ 1015409 h 1015409"/>
+              <a:gd name="connsiteX4" fmla="*/ 53163 w 318977"/>
+              <a:gd name="connsiteY4" fmla="*/ 1015409 h 1015409"/>
+              <a:gd name="connsiteX5" fmla="*/ 0 w 318977"/>
+              <a:gd name="connsiteY5" fmla="*/ 637954 h 1015409"/>
+              <a:gd name="connsiteX6" fmla="*/ 5317 w 318977"/>
+              <a:gd name="connsiteY6" fmla="*/ 303028 h 1015409"/>
+              <a:gd name="connsiteX7" fmla="*/ 164806 w 318977"/>
+              <a:gd name="connsiteY7" fmla="*/ 0 h 1015409"/>
+              <a:gd name="connsiteX0" fmla="*/ 164806 w 319018"/>
+              <a:gd name="connsiteY0" fmla="*/ 0 h 1015409"/>
+              <a:gd name="connsiteX1" fmla="*/ 318977 w 319018"/>
+              <a:gd name="connsiteY1" fmla="*/ 297712 h 1015409"/>
+              <a:gd name="connsiteX2" fmla="*/ 313661 w 319018"/>
+              <a:gd name="connsiteY2" fmla="*/ 643270 h 1015409"/>
+              <a:gd name="connsiteX3" fmla="*/ 249866 w 319018"/>
+              <a:gd name="connsiteY3" fmla="*/ 1015409 h 1015409"/>
+              <a:gd name="connsiteX4" fmla="*/ 53163 w 319018"/>
+              <a:gd name="connsiteY4" fmla="*/ 1015409 h 1015409"/>
+              <a:gd name="connsiteX5" fmla="*/ 0 w 319018"/>
+              <a:gd name="connsiteY5" fmla="*/ 637954 h 1015409"/>
+              <a:gd name="connsiteX6" fmla="*/ 5317 w 319018"/>
+              <a:gd name="connsiteY6" fmla="*/ 303028 h 1015409"/>
+              <a:gd name="connsiteX7" fmla="*/ 164806 w 319018"/>
+              <a:gd name="connsiteY7" fmla="*/ 0 h 1015409"/>
+              <a:gd name="connsiteX0" fmla="*/ 164806 w 319018"/>
+              <a:gd name="connsiteY0" fmla="*/ 0 h 1015409"/>
+              <a:gd name="connsiteX1" fmla="*/ 318977 w 319018"/>
+              <a:gd name="connsiteY1" fmla="*/ 297712 h 1015409"/>
+              <a:gd name="connsiteX2" fmla="*/ 313661 w 319018"/>
+              <a:gd name="connsiteY2" fmla="*/ 643270 h 1015409"/>
+              <a:gd name="connsiteX3" fmla="*/ 249866 w 319018"/>
+              <a:gd name="connsiteY3" fmla="*/ 1015409 h 1015409"/>
+              <a:gd name="connsiteX4" fmla="*/ 53163 w 319018"/>
+              <a:gd name="connsiteY4" fmla="*/ 1015409 h 1015409"/>
+              <a:gd name="connsiteX5" fmla="*/ 0 w 319018"/>
+              <a:gd name="connsiteY5" fmla="*/ 637954 h 1015409"/>
+              <a:gd name="connsiteX6" fmla="*/ 5317 w 319018"/>
+              <a:gd name="connsiteY6" fmla="*/ 303028 h 1015409"/>
+              <a:gd name="connsiteX7" fmla="*/ 164806 w 319018"/>
+              <a:gd name="connsiteY7" fmla="*/ 0 h 1015409"/>
+              <a:gd name="connsiteX0" fmla="*/ 164806 w 319018"/>
+              <a:gd name="connsiteY0" fmla="*/ 0 h 1015409"/>
+              <a:gd name="connsiteX1" fmla="*/ 318977 w 319018"/>
+              <a:gd name="connsiteY1" fmla="*/ 297712 h 1015409"/>
+              <a:gd name="connsiteX2" fmla="*/ 313661 w 319018"/>
+              <a:gd name="connsiteY2" fmla="*/ 643270 h 1015409"/>
+              <a:gd name="connsiteX3" fmla="*/ 249866 w 319018"/>
+              <a:gd name="connsiteY3" fmla="*/ 1015409 h 1015409"/>
+              <a:gd name="connsiteX4" fmla="*/ 53163 w 319018"/>
+              <a:gd name="connsiteY4" fmla="*/ 1015409 h 1015409"/>
+              <a:gd name="connsiteX5" fmla="*/ 0 w 319018"/>
+              <a:gd name="connsiteY5" fmla="*/ 637954 h 1015409"/>
+              <a:gd name="connsiteX6" fmla="*/ 5317 w 319018"/>
+              <a:gd name="connsiteY6" fmla="*/ 303028 h 1015409"/>
+              <a:gd name="connsiteX7" fmla="*/ 164806 w 319018"/>
+              <a:gd name="connsiteY7" fmla="*/ 0 h 1015409"/>
+              <a:gd name="connsiteX0" fmla="*/ 164806 w 319018"/>
+              <a:gd name="connsiteY0" fmla="*/ 0 h 1015409"/>
+              <a:gd name="connsiteX1" fmla="*/ 318977 w 319018"/>
+              <a:gd name="connsiteY1" fmla="*/ 297712 h 1015409"/>
+              <a:gd name="connsiteX2" fmla="*/ 313661 w 319018"/>
+              <a:gd name="connsiteY2" fmla="*/ 643270 h 1015409"/>
+              <a:gd name="connsiteX3" fmla="*/ 249866 w 319018"/>
+              <a:gd name="connsiteY3" fmla="*/ 1015409 h 1015409"/>
+              <a:gd name="connsiteX4" fmla="*/ 53163 w 319018"/>
+              <a:gd name="connsiteY4" fmla="*/ 1015409 h 1015409"/>
+              <a:gd name="connsiteX5" fmla="*/ 0 w 319018"/>
+              <a:gd name="connsiteY5" fmla="*/ 637954 h 1015409"/>
+              <a:gd name="connsiteX6" fmla="*/ 5317 w 319018"/>
+              <a:gd name="connsiteY6" fmla="*/ 303028 h 1015409"/>
+              <a:gd name="connsiteX7" fmla="*/ 164806 w 319018"/>
+              <a:gd name="connsiteY7" fmla="*/ 0 h 1015409"/>
+            </a:gdLst>
+            <a:ahLst/>
+            <a:cxnLst>
+              <a:cxn ang="0">
+                <a:pos x="connsiteX0" y="connsiteY0"/>
+              </a:cxn>
+              <a:cxn ang="0">
+                <a:pos x="connsiteX1" y="connsiteY1"/>
+              </a:cxn>
+              <a:cxn ang="0">
+                <a:pos x="connsiteX2" y="connsiteY2"/>
+              </a:cxn>
+              <a:cxn ang="0">
+                <a:pos x="connsiteX3" y="connsiteY3"/>
+              </a:cxn>
+              <a:cxn ang="0">
+                <a:pos x="connsiteX4" y="connsiteY4"/>
+              </a:cxn>
+              <a:cxn ang="0">
+                <a:pos x="connsiteX5" y="connsiteY5"/>
+              </a:cxn>
+              <a:cxn ang="0">
+                <a:pos x="connsiteX6" y="connsiteY6"/>
+              </a:cxn>
+              <a:cxn ang="0">
+                <a:pos x="connsiteX7" y="connsiteY7"/>
+              </a:cxn>
+            </a:cxnLst>
+            <a:rect l="l" t="t" r="r" b="b"/>
+            <a:pathLst>
+              <a:path w="319018" h="1015409">
+                <a:moveTo>
+                  <a:pt x="164806" y="0"/>
+                </a:moveTo>
+                <a:cubicBezTo>
+                  <a:pt x="255182" y="38691"/>
+                  <a:pt x="320898" y="156979"/>
+                  <a:pt x="318977" y="297712"/>
+                </a:cubicBezTo>
+                <a:lnTo>
+                  <a:pt x="313661" y="643270"/>
+                </a:lnTo>
+                <a:cubicBezTo>
+                  <a:pt x="287080" y="900223"/>
+                  <a:pt x="271131" y="891363"/>
+                  <a:pt x="249866" y="1015409"/>
+                </a:cubicBezTo>
+                <a:lnTo>
+                  <a:pt x="53163" y="1015409"/>
+                </a:lnTo>
+                <a:cubicBezTo>
+                  <a:pt x="35442" y="889591"/>
+                  <a:pt x="7088" y="933893"/>
+                  <a:pt x="0" y="637954"/>
+                </a:cubicBezTo>
+                <a:cubicBezTo>
+                  <a:pt x="1772" y="526312"/>
+                  <a:pt x="3545" y="414670"/>
+                  <a:pt x="5317" y="303028"/>
+                </a:cubicBezTo>
+                <a:cubicBezTo>
+                  <a:pt x="16467" y="122496"/>
+                  <a:pt x="67710" y="48806"/>
+                  <a:pt x="164806" y="0"/>
+                </a:cubicBezTo>
+                <a:close/>
+              </a:path>
+            </a:pathLst>
+          </a:custGeom>
+          <a:noFill/>
+          <a:ln w="38100">
+            <a:prstDash val="sysDot"/>
+          </a:ln>
+        </p:spPr>
+        <p:style>
+          <a:lnRef idx="2">
+            <a:schemeClr val="accent1">
+              <a:shade val="50000"/>
+            </a:schemeClr>
+          </a:lnRef>
+          <a:fillRef idx="1">
+            <a:schemeClr val="accent1"/>
+          </a:fillRef>
+          <a:effectRef idx="0">
+            <a:schemeClr val="accent1"/>
+          </a:effectRef>
+          <a:fontRef idx="minor">
+            <a:schemeClr val="lt1"/>
+          </a:fontRef>
+        </p:style>
+        <p:txBody>
+          <a:bodyPr rtlCol="0" anchor="ctr"/>
+          <a:lstStyle/>
+          <a:p>
+            <a:pPr algn="ctr"/>
+            <a:endParaRPr lang="en-US"/>
+          </a:p>
+        </p:txBody>
+      </p:sp>
+      <p:sp>
+        <p:nvSpPr>
+          <p:cNvPr id="55" name="TextBox 54">
+            <a:extLst>
+              <a:ext uri="{FF2B5EF4-FFF2-40B4-BE49-F238E27FC236}">
+                <a16:creationId xmlns:a16="http://schemas.microsoft.com/office/drawing/2014/main" id="{0964562C-8C9C-CF4E-8E1D-FC62CE25087B}"/>
+              </a:ext>
+            </a:extLst>
+          </p:cNvPr>
+          <p:cNvSpPr txBox="1"/>
+          <p:nvPr/>
+        </p:nvSpPr>
+        <p:spPr>
+          <a:xfrm>
+            <a:off x="3845056" y="5585902"/>
+            <a:ext cx="938440" cy="523220"/>
+          </a:xfrm>
+          <a:prstGeom prst="rect">
+            <a:avLst/>
+          </a:prstGeom>
+          <a:noFill/>
+        </p:spPr>
+        <p:txBody>
+          <a:bodyPr wrap="square" rtlCol="0">
+            <a:spAutoFit/>
+          </a:bodyPr>
+          <a:lstStyle/>
+          <a:p>
+            <a:r>
+              <a:rPr lang="en-US" sz="2800" dirty="0"/>
+              <a:t>195</a:t>
+            </a:r>
+            <a:r>
+              <a:rPr lang="en-GB" sz="2800" dirty="0"/>
+              <a:t>°</a:t>
+            </a:r>
+            <a:endParaRPr lang="en-US" sz="2800" dirty="0"/>
+          </a:p>
+        </p:txBody>
+      </p:sp>
+      <p:sp>
+        <p:nvSpPr>
+          <p:cNvPr id="57" name="TextBox 56">
+            <a:extLst>
+              <a:ext uri="{FF2B5EF4-FFF2-40B4-BE49-F238E27FC236}">
+                <a16:creationId xmlns:a16="http://schemas.microsoft.com/office/drawing/2014/main" id="{0AA5F89E-5A43-7F4B-92C8-21B46A206CFC}"/>
+              </a:ext>
+            </a:extLst>
+          </p:cNvPr>
+          <p:cNvSpPr txBox="1"/>
+          <p:nvPr/>
+        </p:nvSpPr>
+        <p:spPr>
+          <a:xfrm rot="17420105">
+            <a:off x="4111926" y="4119709"/>
+            <a:ext cx="1387040" cy="523220"/>
+          </a:xfrm>
+          <a:prstGeom prst="rect">
+            <a:avLst/>
+          </a:prstGeom>
+          <a:noFill/>
+        </p:spPr>
+        <p:txBody>
+          <a:bodyPr wrap="square" rtlCol="0">
+            <a:spAutoFit/>
+          </a:bodyPr>
+          <a:lstStyle/>
+          <a:p>
+            <a:r>
+              <a:rPr lang="en-US" sz="2800" dirty="0"/>
+              <a:t>Wake</a:t>
+            </a:r>
+          </a:p>
+        </p:txBody>
+      </p:sp>
+      <p:sp>
+        <p:nvSpPr>
+          <p:cNvPr id="59" name="Freeform 58">
+            <a:extLst>
+              <a:ext uri="{FF2B5EF4-FFF2-40B4-BE49-F238E27FC236}">
+                <a16:creationId xmlns:a16="http://schemas.microsoft.com/office/drawing/2014/main" id="{B40ACDB9-34FE-E847-85E5-5A4B6F8C878C}"/>
+              </a:ext>
+            </a:extLst>
+          </p:cNvPr>
+          <p:cNvSpPr/>
+          <p:nvPr/>
+        </p:nvSpPr>
+        <p:spPr>
+          <a:xfrm>
+            <a:off x="5091980" y="3793689"/>
+            <a:ext cx="319018" cy="1015409"/>
+          </a:xfrm>
+          <a:custGeom>
+            <a:avLst/>
+            <a:gdLst>
+              <a:gd name="connsiteX0" fmla="*/ 175438 w 318977"/>
+              <a:gd name="connsiteY0" fmla="*/ 0 h 1020725"/>
+              <a:gd name="connsiteX1" fmla="*/ 318977 w 318977"/>
+              <a:gd name="connsiteY1" fmla="*/ 281763 h 1020725"/>
+              <a:gd name="connsiteX2" fmla="*/ 313661 w 318977"/>
+              <a:gd name="connsiteY2" fmla="*/ 584790 h 1020725"/>
+              <a:gd name="connsiteX3" fmla="*/ 249866 w 318977"/>
+              <a:gd name="connsiteY3" fmla="*/ 1020725 h 1020725"/>
+              <a:gd name="connsiteX4" fmla="*/ 53163 w 318977"/>
+              <a:gd name="connsiteY4" fmla="*/ 1020725 h 1020725"/>
+              <a:gd name="connsiteX5" fmla="*/ 0 w 318977"/>
+              <a:gd name="connsiteY5" fmla="*/ 643270 h 1020725"/>
+              <a:gd name="connsiteX6" fmla="*/ 5317 w 318977"/>
+              <a:gd name="connsiteY6" fmla="*/ 308344 h 1020725"/>
+              <a:gd name="connsiteX7" fmla="*/ 175438 w 318977"/>
+              <a:gd name="connsiteY7" fmla="*/ 0 h 1020725"/>
+              <a:gd name="connsiteX0" fmla="*/ 175438 w 318977"/>
+              <a:gd name="connsiteY0" fmla="*/ 0 h 1020725"/>
+              <a:gd name="connsiteX1" fmla="*/ 318977 w 318977"/>
+              <a:gd name="connsiteY1" fmla="*/ 281763 h 1020725"/>
+              <a:gd name="connsiteX2" fmla="*/ 313661 w 318977"/>
+              <a:gd name="connsiteY2" fmla="*/ 648586 h 1020725"/>
+              <a:gd name="connsiteX3" fmla="*/ 249866 w 318977"/>
+              <a:gd name="connsiteY3" fmla="*/ 1020725 h 1020725"/>
+              <a:gd name="connsiteX4" fmla="*/ 53163 w 318977"/>
+              <a:gd name="connsiteY4" fmla="*/ 1020725 h 1020725"/>
+              <a:gd name="connsiteX5" fmla="*/ 0 w 318977"/>
+              <a:gd name="connsiteY5" fmla="*/ 643270 h 1020725"/>
+              <a:gd name="connsiteX6" fmla="*/ 5317 w 318977"/>
+              <a:gd name="connsiteY6" fmla="*/ 308344 h 1020725"/>
+              <a:gd name="connsiteX7" fmla="*/ 175438 w 318977"/>
+              <a:gd name="connsiteY7" fmla="*/ 0 h 1020725"/>
+              <a:gd name="connsiteX0" fmla="*/ 175438 w 318977"/>
+              <a:gd name="connsiteY0" fmla="*/ 0 h 1020725"/>
+              <a:gd name="connsiteX1" fmla="*/ 318977 w 318977"/>
+              <a:gd name="connsiteY1" fmla="*/ 303028 h 1020725"/>
+              <a:gd name="connsiteX2" fmla="*/ 313661 w 318977"/>
+              <a:gd name="connsiteY2" fmla="*/ 648586 h 1020725"/>
+              <a:gd name="connsiteX3" fmla="*/ 249866 w 318977"/>
+              <a:gd name="connsiteY3" fmla="*/ 1020725 h 1020725"/>
+              <a:gd name="connsiteX4" fmla="*/ 53163 w 318977"/>
+              <a:gd name="connsiteY4" fmla="*/ 1020725 h 1020725"/>
+              <a:gd name="connsiteX5" fmla="*/ 0 w 318977"/>
+              <a:gd name="connsiteY5" fmla="*/ 643270 h 1020725"/>
+              <a:gd name="connsiteX6" fmla="*/ 5317 w 318977"/>
+              <a:gd name="connsiteY6" fmla="*/ 308344 h 1020725"/>
+              <a:gd name="connsiteX7" fmla="*/ 175438 w 318977"/>
+              <a:gd name="connsiteY7" fmla="*/ 0 h 1020725"/>
+              <a:gd name="connsiteX0" fmla="*/ 175438 w 319719"/>
+              <a:gd name="connsiteY0" fmla="*/ 0 h 1020725"/>
+              <a:gd name="connsiteX1" fmla="*/ 318977 w 319719"/>
+              <a:gd name="connsiteY1" fmla="*/ 303028 h 1020725"/>
+              <a:gd name="connsiteX2" fmla="*/ 313661 w 319719"/>
+              <a:gd name="connsiteY2" fmla="*/ 648586 h 1020725"/>
+              <a:gd name="connsiteX3" fmla="*/ 249866 w 319719"/>
+              <a:gd name="connsiteY3" fmla="*/ 1020725 h 1020725"/>
+              <a:gd name="connsiteX4" fmla="*/ 53163 w 319719"/>
+              <a:gd name="connsiteY4" fmla="*/ 1020725 h 1020725"/>
+              <a:gd name="connsiteX5" fmla="*/ 0 w 319719"/>
+              <a:gd name="connsiteY5" fmla="*/ 643270 h 1020725"/>
+              <a:gd name="connsiteX6" fmla="*/ 5317 w 319719"/>
+              <a:gd name="connsiteY6" fmla="*/ 308344 h 1020725"/>
+              <a:gd name="connsiteX7" fmla="*/ 175438 w 319719"/>
+              <a:gd name="connsiteY7" fmla="*/ 0 h 1020725"/>
+              <a:gd name="connsiteX0" fmla="*/ 175438 w 319719"/>
+              <a:gd name="connsiteY0" fmla="*/ 0 h 1020725"/>
+              <a:gd name="connsiteX1" fmla="*/ 318977 w 319719"/>
+              <a:gd name="connsiteY1" fmla="*/ 303028 h 1020725"/>
+              <a:gd name="connsiteX2" fmla="*/ 313661 w 319719"/>
+              <a:gd name="connsiteY2" fmla="*/ 648586 h 1020725"/>
+              <a:gd name="connsiteX3" fmla="*/ 249866 w 319719"/>
+              <a:gd name="connsiteY3" fmla="*/ 1020725 h 1020725"/>
+              <a:gd name="connsiteX4" fmla="*/ 53163 w 319719"/>
+              <a:gd name="connsiteY4" fmla="*/ 1020725 h 1020725"/>
+              <a:gd name="connsiteX5" fmla="*/ 0 w 319719"/>
+              <a:gd name="connsiteY5" fmla="*/ 643270 h 1020725"/>
+              <a:gd name="connsiteX6" fmla="*/ 5317 w 319719"/>
+              <a:gd name="connsiteY6" fmla="*/ 308344 h 1020725"/>
+              <a:gd name="connsiteX7" fmla="*/ 175438 w 319719"/>
+              <a:gd name="connsiteY7" fmla="*/ 0 h 1020725"/>
+              <a:gd name="connsiteX0" fmla="*/ 175438 w 319719"/>
+              <a:gd name="connsiteY0" fmla="*/ 0 h 1020725"/>
+              <a:gd name="connsiteX1" fmla="*/ 318977 w 319719"/>
+              <a:gd name="connsiteY1" fmla="*/ 303028 h 1020725"/>
+              <a:gd name="connsiteX2" fmla="*/ 313661 w 319719"/>
+              <a:gd name="connsiteY2" fmla="*/ 648586 h 1020725"/>
+              <a:gd name="connsiteX3" fmla="*/ 249866 w 319719"/>
+              <a:gd name="connsiteY3" fmla="*/ 1020725 h 1020725"/>
+              <a:gd name="connsiteX4" fmla="*/ 53163 w 319719"/>
+              <a:gd name="connsiteY4" fmla="*/ 1020725 h 1020725"/>
+              <a:gd name="connsiteX5" fmla="*/ 0 w 319719"/>
+              <a:gd name="connsiteY5" fmla="*/ 643270 h 1020725"/>
+              <a:gd name="connsiteX6" fmla="*/ 5317 w 319719"/>
+              <a:gd name="connsiteY6" fmla="*/ 308344 h 1020725"/>
+              <a:gd name="connsiteX7" fmla="*/ 175438 w 319719"/>
+              <a:gd name="connsiteY7" fmla="*/ 0 h 1020725"/>
+              <a:gd name="connsiteX0" fmla="*/ 175438 w 318977"/>
+              <a:gd name="connsiteY0" fmla="*/ 0 h 1020725"/>
+              <a:gd name="connsiteX1" fmla="*/ 318977 w 318977"/>
+              <a:gd name="connsiteY1" fmla="*/ 303028 h 1020725"/>
+              <a:gd name="connsiteX2" fmla="*/ 313661 w 318977"/>
+              <a:gd name="connsiteY2" fmla="*/ 648586 h 1020725"/>
+              <a:gd name="connsiteX3" fmla="*/ 249866 w 318977"/>
+              <a:gd name="connsiteY3" fmla="*/ 1020725 h 1020725"/>
+              <a:gd name="connsiteX4" fmla="*/ 53163 w 318977"/>
+              <a:gd name="connsiteY4" fmla="*/ 1020725 h 1020725"/>
+              <a:gd name="connsiteX5" fmla="*/ 0 w 318977"/>
+              <a:gd name="connsiteY5" fmla="*/ 643270 h 1020725"/>
+              <a:gd name="connsiteX6" fmla="*/ 5317 w 318977"/>
+              <a:gd name="connsiteY6" fmla="*/ 308344 h 1020725"/>
+              <a:gd name="connsiteX7" fmla="*/ 175438 w 318977"/>
+              <a:gd name="connsiteY7" fmla="*/ 0 h 1020725"/>
+              <a:gd name="connsiteX0" fmla="*/ 175438 w 318977"/>
+              <a:gd name="connsiteY0" fmla="*/ 0 h 1020725"/>
+              <a:gd name="connsiteX1" fmla="*/ 318977 w 318977"/>
+              <a:gd name="connsiteY1" fmla="*/ 303028 h 1020725"/>
+              <a:gd name="connsiteX2" fmla="*/ 313661 w 318977"/>
+              <a:gd name="connsiteY2" fmla="*/ 648586 h 1020725"/>
+              <a:gd name="connsiteX3" fmla="*/ 249866 w 318977"/>
+              <a:gd name="connsiteY3" fmla="*/ 1020725 h 1020725"/>
+              <a:gd name="connsiteX4" fmla="*/ 53163 w 318977"/>
+              <a:gd name="connsiteY4" fmla="*/ 1020725 h 1020725"/>
+              <a:gd name="connsiteX5" fmla="*/ 0 w 318977"/>
+              <a:gd name="connsiteY5" fmla="*/ 643270 h 1020725"/>
+              <a:gd name="connsiteX6" fmla="*/ 5317 w 318977"/>
+              <a:gd name="connsiteY6" fmla="*/ 308344 h 1020725"/>
+              <a:gd name="connsiteX7" fmla="*/ 175438 w 318977"/>
+              <a:gd name="connsiteY7" fmla="*/ 0 h 1020725"/>
+              <a:gd name="connsiteX0" fmla="*/ 175438 w 318977"/>
+              <a:gd name="connsiteY0" fmla="*/ 0 h 1020725"/>
+              <a:gd name="connsiteX1" fmla="*/ 318977 w 318977"/>
+              <a:gd name="connsiteY1" fmla="*/ 303028 h 1020725"/>
+              <a:gd name="connsiteX2" fmla="*/ 313661 w 318977"/>
+              <a:gd name="connsiteY2" fmla="*/ 648586 h 1020725"/>
+              <a:gd name="connsiteX3" fmla="*/ 249866 w 318977"/>
+              <a:gd name="connsiteY3" fmla="*/ 1020725 h 1020725"/>
+              <a:gd name="connsiteX4" fmla="*/ 53163 w 318977"/>
+              <a:gd name="connsiteY4" fmla="*/ 1020725 h 1020725"/>
+              <a:gd name="connsiteX5" fmla="*/ 0 w 318977"/>
+              <a:gd name="connsiteY5" fmla="*/ 643270 h 1020725"/>
+              <a:gd name="connsiteX6" fmla="*/ 5317 w 318977"/>
+              <a:gd name="connsiteY6" fmla="*/ 308344 h 1020725"/>
+              <a:gd name="connsiteX7" fmla="*/ 175438 w 318977"/>
+              <a:gd name="connsiteY7" fmla="*/ 0 h 1020725"/>
+              <a:gd name="connsiteX0" fmla="*/ 164806 w 318977"/>
+              <a:gd name="connsiteY0" fmla="*/ 0 h 1015409"/>
+              <a:gd name="connsiteX1" fmla="*/ 318977 w 318977"/>
+              <a:gd name="connsiteY1" fmla="*/ 297712 h 1015409"/>
+              <a:gd name="connsiteX2" fmla="*/ 313661 w 318977"/>
+              <a:gd name="connsiteY2" fmla="*/ 643270 h 1015409"/>
+              <a:gd name="connsiteX3" fmla="*/ 249866 w 318977"/>
+              <a:gd name="connsiteY3" fmla="*/ 1015409 h 1015409"/>
+              <a:gd name="connsiteX4" fmla="*/ 53163 w 318977"/>
+              <a:gd name="connsiteY4" fmla="*/ 1015409 h 1015409"/>
+              <a:gd name="connsiteX5" fmla="*/ 0 w 318977"/>
+              <a:gd name="connsiteY5" fmla="*/ 637954 h 1015409"/>
+              <a:gd name="connsiteX6" fmla="*/ 5317 w 318977"/>
+              <a:gd name="connsiteY6" fmla="*/ 303028 h 1015409"/>
+              <a:gd name="connsiteX7" fmla="*/ 164806 w 318977"/>
+              <a:gd name="connsiteY7" fmla="*/ 0 h 1015409"/>
+              <a:gd name="connsiteX0" fmla="*/ 164806 w 318977"/>
+              <a:gd name="connsiteY0" fmla="*/ 0 h 1015409"/>
+              <a:gd name="connsiteX1" fmla="*/ 318977 w 318977"/>
+              <a:gd name="connsiteY1" fmla="*/ 297712 h 1015409"/>
+              <a:gd name="connsiteX2" fmla="*/ 313661 w 318977"/>
+              <a:gd name="connsiteY2" fmla="*/ 643270 h 1015409"/>
+              <a:gd name="connsiteX3" fmla="*/ 249866 w 318977"/>
+              <a:gd name="connsiteY3" fmla="*/ 1015409 h 1015409"/>
+              <a:gd name="connsiteX4" fmla="*/ 53163 w 318977"/>
+              <a:gd name="connsiteY4" fmla="*/ 1015409 h 1015409"/>
+              <a:gd name="connsiteX5" fmla="*/ 0 w 318977"/>
+              <a:gd name="connsiteY5" fmla="*/ 637954 h 1015409"/>
+              <a:gd name="connsiteX6" fmla="*/ 5317 w 318977"/>
+              <a:gd name="connsiteY6" fmla="*/ 303028 h 1015409"/>
+              <a:gd name="connsiteX7" fmla="*/ 164806 w 318977"/>
+              <a:gd name="connsiteY7" fmla="*/ 0 h 1015409"/>
+              <a:gd name="connsiteX0" fmla="*/ 164806 w 318977"/>
+              <a:gd name="connsiteY0" fmla="*/ 0 h 1015409"/>
+              <a:gd name="connsiteX1" fmla="*/ 318977 w 318977"/>
+              <a:gd name="connsiteY1" fmla="*/ 297712 h 1015409"/>
+              <a:gd name="connsiteX2" fmla="*/ 313661 w 318977"/>
+              <a:gd name="connsiteY2" fmla="*/ 643270 h 1015409"/>
+              <a:gd name="connsiteX3" fmla="*/ 249866 w 318977"/>
+              <a:gd name="connsiteY3" fmla="*/ 1015409 h 1015409"/>
+              <a:gd name="connsiteX4" fmla="*/ 53163 w 318977"/>
+              <a:gd name="connsiteY4" fmla="*/ 1015409 h 1015409"/>
+              <a:gd name="connsiteX5" fmla="*/ 0 w 318977"/>
+              <a:gd name="connsiteY5" fmla="*/ 637954 h 1015409"/>
+              <a:gd name="connsiteX6" fmla="*/ 5317 w 318977"/>
+              <a:gd name="connsiteY6" fmla="*/ 303028 h 1015409"/>
+              <a:gd name="connsiteX7" fmla="*/ 164806 w 318977"/>
+              <a:gd name="connsiteY7" fmla="*/ 0 h 1015409"/>
+              <a:gd name="connsiteX0" fmla="*/ 164806 w 318977"/>
+              <a:gd name="connsiteY0" fmla="*/ 0 h 1015409"/>
+              <a:gd name="connsiteX1" fmla="*/ 318977 w 318977"/>
+              <a:gd name="connsiteY1" fmla="*/ 297712 h 1015409"/>
+              <a:gd name="connsiteX2" fmla="*/ 313661 w 318977"/>
+              <a:gd name="connsiteY2" fmla="*/ 643270 h 1015409"/>
+              <a:gd name="connsiteX3" fmla="*/ 249866 w 318977"/>
+              <a:gd name="connsiteY3" fmla="*/ 1015409 h 1015409"/>
+              <a:gd name="connsiteX4" fmla="*/ 53163 w 318977"/>
+              <a:gd name="connsiteY4" fmla="*/ 1015409 h 1015409"/>
+              <a:gd name="connsiteX5" fmla="*/ 0 w 318977"/>
+              <a:gd name="connsiteY5" fmla="*/ 637954 h 1015409"/>
+              <a:gd name="connsiteX6" fmla="*/ 5317 w 318977"/>
+              <a:gd name="connsiteY6" fmla="*/ 303028 h 1015409"/>
+              <a:gd name="connsiteX7" fmla="*/ 164806 w 318977"/>
+              <a:gd name="connsiteY7" fmla="*/ 0 h 1015409"/>
+              <a:gd name="connsiteX0" fmla="*/ 164806 w 318977"/>
+              <a:gd name="connsiteY0" fmla="*/ 0 h 1015409"/>
+              <a:gd name="connsiteX1" fmla="*/ 318977 w 318977"/>
+              <a:gd name="connsiteY1" fmla="*/ 297712 h 1015409"/>
+              <a:gd name="connsiteX2" fmla="*/ 313661 w 318977"/>
+              <a:gd name="connsiteY2" fmla="*/ 643270 h 1015409"/>
+              <a:gd name="connsiteX3" fmla="*/ 249866 w 318977"/>
+              <a:gd name="connsiteY3" fmla="*/ 1015409 h 1015409"/>
+              <a:gd name="connsiteX4" fmla="*/ 53163 w 318977"/>
+              <a:gd name="connsiteY4" fmla="*/ 1015409 h 1015409"/>
+              <a:gd name="connsiteX5" fmla="*/ 0 w 318977"/>
+              <a:gd name="connsiteY5" fmla="*/ 637954 h 1015409"/>
+              <a:gd name="connsiteX6" fmla="*/ 5317 w 318977"/>
+              <a:gd name="connsiteY6" fmla="*/ 303028 h 1015409"/>
+              <a:gd name="connsiteX7" fmla="*/ 164806 w 318977"/>
+              <a:gd name="connsiteY7" fmla="*/ 0 h 1015409"/>
+              <a:gd name="connsiteX0" fmla="*/ 164806 w 319018"/>
+              <a:gd name="connsiteY0" fmla="*/ 0 h 1015409"/>
+              <a:gd name="connsiteX1" fmla="*/ 318977 w 319018"/>
+              <a:gd name="connsiteY1" fmla="*/ 297712 h 1015409"/>
+              <a:gd name="connsiteX2" fmla="*/ 313661 w 319018"/>
+              <a:gd name="connsiteY2" fmla="*/ 643270 h 1015409"/>
+              <a:gd name="connsiteX3" fmla="*/ 249866 w 319018"/>
+              <a:gd name="connsiteY3" fmla="*/ 1015409 h 1015409"/>
+              <a:gd name="connsiteX4" fmla="*/ 53163 w 319018"/>
+              <a:gd name="connsiteY4" fmla="*/ 1015409 h 1015409"/>
+              <a:gd name="connsiteX5" fmla="*/ 0 w 319018"/>
+              <a:gd name="connsiteY5" fmla="*/ 637954 h 1015409"/>
+              <a:gd name="connsiteX6" fmla="*/ 5317 w 319018"/>
+              <a:gd name="connsiteY6" fmla="*/ 303028 h 1015409"/>
+              <a:gd name="connsiteX7" fmla="*/ 164806 w 319018"/>
+              <a:gd name="connsiteY7" fmla="*/ 0 h 1015409"/>
+              <a:gd name="connsiteX0" fmla="*/ 164806 w 319018"/>
+              <a:gd name="connsiteY0" fmla="*/ 0 h 1015409"/>
+              <a:gd name="connsiteX1" fmla="*/ 318977 w 319018"/>
+              <a:gd name="connsiteY1" fmla="*/ 297712 h 1015409"/>
+              <a:gd name="connsiteX2" fmla="*/ 313661 w 319018"/>
+              <a:gd name="connsiteY2" fmla="*/ 643270 h 1015409"/>
+              <a:gd name="connsiteX3" fmla="*/ 249866 w 319018"/>
+              <a:gd name="connsiteY3" fmla="*/ 1015409 h 1015409"/>
+              <a:gd name="connsiteX4" fmla="*/ 53163 w 319018"/>
+              <a:gd name="connsiteY4" fmla="*/ 1015409 h 1015409"/>
+              <a:gd name="connsiteX5" fmla="*/ 0 w 319018"/>
+              <a:gd name="connsiteY5" fmla="*/ 637954 h 1015409"/>
+              <a:gd name="connsiteX6" fmla="*/ 5317 w 319018"/>
+              <a:gd name="connsiteY6" fmla="*/ 303028 h 1015409"/>
+              <a:gd name="connsiteX7" fmla="*/ 164806 w 319018"/>
+              <a:gd name="connsiteY7" fmla="*/ 0 h 1015409"/>
+              <a:gd name="connsiteX0" fmla="*/ 164806 w 319018"/>
+              <a:gd name="connsiteY0" fmla="*/ 0 h 1015409"/>
+              <a:gd name="connsiteX1" fmla="*/ 318977 w 319018"/>
+              <a:gd name="connsiteY1" fmla="*/ 297712 h 1015409"/>
+              <a:gd name="connsiteX2" fmla="*/ 313661 w 319018"/>
+              <a:gd name="connsiteY2" fmla="*/ 643270 h 1015409"/>
+              <a:gd name="connsiteX3" fmla="*/ 249866 w 319018"/>
+              <a:gd name="connsiteY3" fmla="*/ 1015409 h 1015409"/>
+              <a:gd name="connsiteX4" fmla="*/ 53163 w 319018"/>
+              <a:gd name="connsiteY4" fmla="*/ 1015409 h 1015409"/>
+              <a:gd name="connsiteX5" fmla="*/ 0 w 319018"/>
+              <a:gd name="connsiteY5" fmla="*/ 637954 h 1015409"/>
+              <a:gd name="connsiteX6" fmla="*/ 5317 w 319018"/>
+              <a:gd name="connsiteY6" fmla="*/ 303028 h 1015409"/>
+              <a:gd name="connsiteX7" fmla="*/ 164806 w 319018"/>
+              <a:gd name="connsiteY7" fmla="*/ 0 h 1015409"/>
+              <a:gd name="connsiteX0" fmla="*/ 164806 w 319018"/>
+              <a:gd name="connsiteY0" fmla="*/ 0 h 1015409"/>
+              <a:gd name="connsiteX1" fmla="*/ 318977 w 319018"/>
+              <a:gd name="connsiteY1" fmla="*/ 297712 h 1015409"/>
+              <a:gd name="connsiteX2" fmla="*/ 313661 w 319018"/>
+              <a:gd name="connsiteY2" fmla="*/ 643270 h 1015409"/>
+              <a:gd name="connsiteX3" fmla="*/ 249866 w 319018"/>
+              <a:gd name="connsiteY3" fmla="*/ 1015409 h 1015409"/>
+              <a:gd name="connsiteX4" fmla="*/ 53163 w 319018"/>
+              <a:gd name="connsiteY4" fmla="*/ 1015409 h 1015409"/>
+              <a:gd name="connsiteX5" fmla="*/ 0 w 319018"/>
+              <a:gd name="connsiteY5" fmla="*/ 637954 h 1015409"/>
+              <a:gd name="connsiteX6" fmla="*/ 5317 w 319018"/>
+              <a:gd name="connsiteY6" fmla="*/ 303028 h 1015409"/>
+              <a:gd name="connsiteX7" fmla="*/ 164806 w 319018"/>
+              <a:gd name="connsiteY7" fmla="*/ 0 h 1015409"/>
+            </a:gdLst>
+            <a:ahLst/>
+            <a:cxnLst>
+              <a:cxn ang="0">
+                <a:pos x="connsiteX0" y="connsiteY0"/>
+              </a:cxn>
+              <a:cxn ang="0">
+                <a:pos x="connsiteX1" y="connsiteY1"/>
+              </a:cxn>
+              <a:cxn ang="0">
+                <a:pos x="connsiteX2" y="connsiteY2"/>
+              </a:cxn>
+              <a:cxn ang="0">
+                <a:pos x="connsiteX3" y="connsiteY3"/>
+              </a:cxn>
+              <a:cxn ang="0">
+                <a:pos x="connsiteX4" y="connsiteY4"/>
+              </a:cxn>
+              <a:cxn ang="0">
+                <a:pos x="connsiteX5" y="connsiteY5"/>
+              </a:cxn>
+              <a:cxn ang="0">
+                <a:pos x="connsiteX6" y="connsiteY6"/>
+              </a:cxn>
+              <a:cxn ang="0">
+                <a:pos x="connsiteX7" y="connsiteY7"/>
+              </a:cxn>
+            </a:cxnLst>
+            <a:rect l="l" t="t" r="r" b="b"/>
+            <a:pathLst>
+              <a:path w="319018" h="1015409">
+                <a:moveTo>
+                  <a:pt x="164806" y="0"/>
+                </a:moveTo>
+                <a:cubicBezTo>
+                  <a:pt x="255182" y="38691"/>
+                  <a:pt x="320898" y="156979"/>
+                  <a:pt x="318977" y="297712"/>
+                </a:cubicBezTo>
+                <a:lnTo>
+                  <a:pt x="313661" y="643270"/>
+                </a:lnTo>
+                <a:cubicBezTo>
+                  <a:pt x="287080" y="900223"/>
+                  <a:pt x="271131" y="891363"/>
+                  <a:pt x="249866" y="1015409"/>
+                </a:cubicBezTo>
+                <a:lnTo>
+                  <a:pt x="53163" y="1015409"/>
+                </a:lnTo>
+                <a:cubicBezTo>
+                  <a:pt x="35442" y="889591"/>
+                  <a:pt x="7088" y="933893"/>
+                  <a:pt x="0" y="637954"/>
+                </a:cubicBezTo>
+                <a:cubicBezTo>
+                  <a:pt x="1772" y="526312"/>
+                  <a:pt x="3545" y="414670"/>
+                  <a:pt x="5317" y="303028"/>
+                </a:cubicBezTo>
+                <a:cubicBezTo>
+                  <a:pt x="16467" y="122496"/>
+                  <a:pt x="67710" y="48806"/>
+                  <a:pt x="164806" y="0"/>
+                </a:cubicBezTo>
+                <a:close/>
+              </a:path>
+            </a:pathLst>
+          </a:custGeom>
+          <a:noFill/>
+          <a:ln w="38100">
+            <a:prstDash val="sysDot"/>
+          </a:ln>
+        </p:spPr>
+        <p:style>
+          <a:lnRef idx="2">
+            <a:schemeClr val="accent1">
+              <a:shade val="50000"/>
+            </a:schemeClr>
+          </a:lnRef>
+          <a:fillRef idx="1">
+            <a:schemeClr val="accent1"/>
+          </a:fillRef>
+          <a:effectRef idx="0">
+            <a:schemeClr val="accent1"/>
+          </a:effectRef>
+          <a:fontRef idx="minor">
+            <a:schemeClr val="lt1"/>
+          </a:fontRef>
+        </p:style>
+        <p:txBody>
+          <a:bodyPr rtlCol="0" anchor="ctr"/>
+          <a:lstStyle/>
+          <a:p>
+            <a:pPr algn="ctr"/>
+            <a:endParaRPr lang="en-US"/>
+          </a:p>
+        </p:txBody>
+      </p:sp>
+      <p:sp>
+        <p:nvSpPr>
+          <p:cNvPr id="23" name="Rectangle 22">
+            <a:extLst>
+              <a:ext uri="{FF2B5EF4-FFF2-40B4-BE49-F238E27FC236}">
+                <a16:creationId xmlns:a16="http://schemas.microsoft.com/office/drawing/2014/main" id="{7AF2F4E6-B272-9448-A396-77676B65797A}"/>
+              </a:ext>
+            </a:extLst>
+          </p:cNvPr>
+          <p:cNvSpPr/>
+          <p:nvPr/>
+        </p:nvSpPr>
+        <p:spPr>
+          <a:xfrm rot="1195931">
+            <a:off x="5113761" y="2978521"/>
+            <a:ext cx="344563" cy="2796864"/>
+          </a:xfrm>
+          <a:prstGeom prst="rect">
+            <a:avLst/>
+          </a:prstGeom>
+          <a:blipFill dpi="0" rotWithShape="1">
+            <a:blip r:embed="rId2">
+              <a:alphaModFix amt="54000"/>
+            </a:blip>
+            <a:srcRect/>
+            <a:tile tx="0" ty="0" sx="100000" sy="100000" flip="none" algn="tl"/>
+          </a:blipFill>
+          <a:ln>
+            <a:noFill/>
+          </a:ln>
+        </p:spPr>
+        <p:style>
+          <a:lnRef idx="2">
+            <a:schemeClr val="accent1">
+              <a:shade val="50000"/>
+            </a:schemeClr>
+          </a:lnRef>
+          <a:fillRef idx="1">
+            <a:schemeClr val="accent1"/>
+          </a:fillRef>
+          <a:effectRef idx="0">
+            <a:schemeClr val="accent1"/>
+          </a:effectRef>
+          <a:fontRef idx="minor">
+            <a:schemeClr val="lt1"/>
+          </a:fontRef>
+        </p:style>
+        <p:txBody>
+          <a:bodyPr rtlCol="0" anchor="ctr"/>
+          <a:lstStyle/>
+          <a:p>
+            <a:pPr algn="ctr"/>
+            <a:endParaRPr lang="en-US"/>
+          </a:p>
+        </p:txBody>
+      </p:sp>
+      <p:sp>
+        <p:nvSpPr>
+          <p:cNvPr id="61" name="TextBox 60">
+            <a:extLst>
+              <a:ext uri="{FF2B5EF4-FFF2-40B4-BE49-F238E27FC236}">
+                <a16:creationId xmlns:a16="http://schemas.microsoft.com/office/drawing/2014/main" id="{07419B9D-1B2E-6A48-8933-8503F1536862}"/>
+              </a:ext>
+            </a:extLst>
+          </p:cNvPr>
+          <p:cNvSpPr txBox="1"/>
+          <p:nvPr/>
+        </p:nvSpPr>
+        <p:spPr>
+          <a:xfrm>
+            <a:off x="4961235" y="5791363"/>
+            <a:ext cx="1387040" cy="523220"/>
+          </a:xfrm>
+          <a:prstGeom prst="rect">
+            <a:avLst/>
+          </a:prstGeom>
+          <a:noFill/>
+        </p:spPr>
+        <p:txBody>
+          <a:bodyPr wrap="square" rtlCol="0">
+            <a:spAutoFit/>
+          </a:bodyPr>
+          <a:lstStyle/>
+          <a:p>
+            <a:r>
+              <a:rPr lang="en-US" sz="2800" dirty="0"/>
+              <a:t>Leeway</a:t>
+            </a:r>
+          </a:p>
+        </p:txBody>
+      </p:sp>
+      <p:sp>
+        <p:nvSpPr>
+          <p:cNvPr id="72" name="Arc 71">
+            <a:extLst>
+              <a:ext uri="{FF2B5EF4-FFF2-40B4-BE49-F238E27FC236}">
+                <a16:creationId xmlns:a16="http://schemas.microsoft.com/office/drawing/2014/main" id="{AE0CE1DC-8985-1E4C-96F2-A33401CBB879}"/>
+              </a:ext>
+            </a:extLst>
+          </p:cNvPr>
+          <p:cNvSpPr/>
+          <p:nvPr/>
+        </p:nvSpPr>
+        <p:spPr>
+          <a:xfrm flipH="1" flipV="1">
+            <a:off x="4964394" y="5259891"/>
+            <a:ext cx="1590813" cy="440715"/>
+          </a:xfrm>
+          <a:prstGeom prst="arc">
+            <a:avLst>
+              <a:gd name="adj1" fmla="val 16200000"/>
+              <a:gd name="adj2" fmla="val 21153591"/>
+            </a:avLst>
+          </a:prstGeom>
+          <a:ln w="57150">
+            <a:solidFill>
+              <a:schemeClr val="tx1"/>
+            </a:solidFill>
+            <a:tailEnd type="triangle"/>
+          </a:ln>
+        </p:spPr>
+        <p:style>
+          <a:lnRef idx="1">
+            <a:schemeClr val="accent1"/>
+          </a:lnRef>
+          <a:fillRef idx="0">
+            <a:schemeClr val="accent1"/>
+          </a:fillRef>
+          <a:effectRef idx="0">
+            <a:schemeClr val="accent1"/>
+          </a:effectRef>
+          <a:fontRef idx="minor">
+            <a:schemeClr val="tx1"/>
+          </a:fontRef>
+        </p:style>
+        <p:txBody>
+          <a:bodyPr rtlCol="0" anchor="ctr"/>
+          <a:lstStyle/>
+          <a:p>
+            <a:pPr algn="ctr"/>
+            <a:endParaRPr lang="en-US"/>
+          </a:p>
+        </p:txBody>
+      </p:sp>
+      <p:cxnSp>
+        <p:nvCxnSpPr>
+          <p:cNvPr id="74" name="Straight Arrow Connector 73">
+            <a:extLst>
+              <a:ext uri="{FF2B5EF4-FFF2-40B4-BE49-F238E27FC236}">
+                <a16:creationId xmlns:a16="http://schemas.microsoft.com/office/drawing/2014/main" id="{EFE856D3-556F-5D4A-AC21-81E42C9A288A}"/>
+              </a:ext>
+            </a:extLst>
+          </p:cNvPr>
+          <p:cNvCxnSpPr/>
+          <p:nvPr/>
+        </p:nvCxnSpPr>
+        <p:spPr>
+          <a:xfrm>
+            <a:off x="3470245" y="1279301"/>
+            <a:ext cx="1221218" cy="1183137"/>
+          </a:xfrm>
+          <a:prstGeom prst="straightConnector1">
+            <a:avLst/>
+          </a:prstGeom>
+          <a:ln w="57150">
+            <a:solidFill>
+              <a:schemeClr val="tx1"/>
+            </a:solidFill>
+            <a:headEnd w="lg" len="lg"/>
+            <a:tailEnd type="triangle" w="lg" len="lg"/>
+          </a:ln>
+        </p:spPr>
+        <p:style>
+          <a:lnRef idx="1">
+            <a:schemeClr val="accent1"/>
+          </a:lnRef>
+          <a:fillRef idx="0">
+            <a:schemeClr val="accent1"/>
+          </a:fillRef>
+          <a:effectRef idx="0">
+            <a:schemeClr val="accent1"/>
+          </a:effectRef>
+          <a:fontRef idx="minor">
+            <a:schemeClr val="tx1"/>
+          </a:fontRef>
+        </p:style>
+      </p:cxnSp>
+      <p:grpSp>
+        <p:nvGrpSpPr>
+          <p:cNvPr id="85" name="Group 84">
+            <a:extLst>
+              <a:ext uri="{FF2B5EF4-FFF2-40B4-BE49-F238E27FC236}">
+                <a16:creationId xmlns:a16="http://schemas.microsoft.com/office/drawing/2014/main" id="{21A38F0A-1C8A-AF4B-9622-557224738B44}"/>
+              </a:ext>
+            </a:extLst>
+          </p:cNvPr>
+          <p:cNvGrpSpPr/>
+          <p:nvPr/>
+        </p:nvGrpSpPr>
+        <p:grpSpPr>
+          <a:xfrm rot="21256100">
+            <a:off x="3246427" y="1133984"/>
+            <a:ext cx="491179" cy="446663"/>
+            <a:chOff x="2070616" y="3665971"/>
+            <a:chExt cx="491179" cy="446663"/>
+          </a:xfrm>
+        </p:grpSpPr>
+        <p:grpSp>
+          <p:nvGrpSpPr>
+            <p:cNvPr id="76" name="Group 75">
+              <a:extLst>
+                <a:ext uri="{FF2B5EF4-FFF2-40B4-BE49-F238E27FC236}">
+                  <a16:creationId xmlns:a16="http://schemas.microsoft.com/office/drawing/2014/main" id="{E5E1B8DB-AFD8-7949-90A0-884C6B6C86B2}"/>
+                </a:ext>
+              </a:extLst>
+            </p:cNvPr>
+            <p:cNvGrpSpPr/>
+            <p:nvPr/>
+          </p:nvGrpSpPr>
+          <p:grpSpPr>
+            <a:xfrm rot="3927995">
+              <a:off x="2205303" y="3740300"/>
+              <a:ext cx="238218" cy="309239"/>
+              <a:chOff x="1998955" y="5395406"/>
+              <a:chExt cx="238218" cy="309239"/>
+            </a:xfrm>
+          </p:grpSpPr>
+          <p:cxnSp>
+            <p:nvCxnSpPr>
+              <p:cNvPr id="83" name="Straight Connector 82">
+                <a:extLst>
+                  <a:ext uri="{FF2B5EF4-FFF2-40B4-BE49-F238E27FC236}">
+                    <a16:creationId xmlns:a16="http://schemas.microsoft.com/office/drawing/2014/main" id="{20AC50BF-F7FA-1A49-8A2C-782D6551B683}"/>
+                  </a:ext>
+                </a:extLst>
+              </p:cNvPr>
+              <p:cNvCxnSpPr>
+                <a:cxnSpLocks/>
+              </p:cNvCxnSpPr>
+              <p:nvPr/>
+            </p:nvCxnSpPr>
+            <p:spPr>
+              <a:xfrm>
+                <a:off x="1998955" y="5395406"/>
+                <a:ext cx="238218" cy="78418"/>
+              </a:xfrm>
+              <a:prstGeom prst="line">
+                <a:avLst/>
+              </a:prstGeom>
+              <a:ln w="38100">
+                <a:solidFill>
+                  <a:schemeClr val="tx1"/>
+                </a:solidFill>
+              </a:ln>
+            </p:spPr>
+            <p:style>
+              <a:lnRef idx="1">
+                <a:schemeClr val="accent1"/>
+              </a:lnRef>
+              <a:fillRef idx="0">
+                <a:schemeClr val="accent1"/>
+              </a:fillRef>
+              <a:effectRef idx="0">
+                <a:schemeClr val="accent1"/>
+              </a:effectRef>
+              <a:fontRef idx="minor">
+                <a:schemeClr val="tx1"/>
+              </a:fontRef>
+            </p:style>
+          </p:cxnSp>
+          <p:cxnSp>
+            <p:nvCxnSpPr>
+              <p:cNvPr id="84" name="Straight Connector 83">
+                <a:extLst>
+                  <a:ext uri="{FF2B5EF4-FFF2-40B4-BE49-F238E27FC236}">
+                    <a16:creationId xmlns:a16="http://schemas.microsoft.com/office/drawing/2014/main" id="{44CAC557-BDD8-2E4B-A20A-1092B9213BEB}"/>
+                  </a:ext>
+                </a:extLst>
+              </p:cNvPr>
+              <p:cNvCxnSpPr>
+                <a:cxnSpLocks/>
+              </p:cNvCxnSpPr>
+              <p:nvPr/>
+            </p:nvCxnSpPr>
+            <p:spPr>
+              <a:xfrm flipV="1">
+                <a:off x="2084773" y="5473824"/>
+                <a:ext cx="152400" cy="230821"/>
+              </a:xfrm>
+              <a:prstGeom prst="line">
+                <a:avLst/>
+              </a:prstGeom>
+              <a:ln w="38100">
+                <a:solidFill>
+                  <a:schemeClr val="tx1"/>
+                </a:solidFill>
+              </a:ln>
+            </p:spPr>
+            <p:style>
+              <a:lnRef idx="1">
+                <a:schemeClr val="accent1"/>
+              </a:lnRef>
+              <a:fillRef idx="0">
+                <a:schemeClr val="accent1"/>
+              </a:fillRef>
+              <a:effectRef idx="0">
+                <a:schemeClr val="accent1"/>
+              </a:effectRef>
+              <a:fontRef idx="minor">
+                <a:schemeClr val="tx1"/>
+              </a:fontRef>
+            </p:style>
+          </p:cxnSp>
+        </p:grpSp>
+        <p:grpSp>
+          <p:nvGrpSpPr>
+            <p:cNvPr id="77" name="Group 76">
+              <a:extLst>
+                <a:ext uri="{FF2B5EF4-FFF2-40B4-BE49-F238E27FC236}">
+                  <a16:creationId xmlns:a16="http://schemas.microsoft.com/office/drawing/2014/main" id="{FC6CE918-0051-944D-90AE-C70B171F9DBA}"/>
+                </a:ext>
+              </a:extLst>
+            </p:cNvPr>
+            <p:cNvGrpSpPr/>
+            <p:nvPr/>
+          </p:nvGrpSpPr>
+          <p:grpSpPr>
+            <a:xfrm rot="3927995">
+              <a:off x="2288067" y="3838905"/>
+              <a:ext cx="238218" cy="309239"/>
+              <a:chOff x="1998955" y="5395406"/>
+              <a:chExt cx="238218" cy="309239"/>
+            </a:xfrm>
+          </p:grpSpPr>
+          <p:cxnSp>
+            <p:nvCxnSpPr>
+              <p:cNvPr id="81" name="Straight Connector 80">
+                <a:extLst>
+                  <a:ext uri="{FF2B5EF4-FFF2-40B4-BE49-F238E27FC236}">
+                    <a16:creationId xmlns:a16="http://schemas.microsoft.com/office/drawing/2014/main" id="{11692BBE-A1F6-C743-91DF-DAC5F5183BDC}"/>
+                  </a:ext>
+                </a:extLst>
+              </p:cNvPr>
+              <p:cNvCxnSpPr>
+                <a:cxnSpLocks/>
+              </p:cNvCxnSpPr>
+              <p:nvPr/>
+            </p:nvCxnSpPr>
+            <p:spPr>
+              <a:xfrm>
+                <a:off x="1998955" y="5395406"/>
+                <a:ext cx="238218" cy="78418"/>
+              </a:xfrm>
+              <a:prstGeom prst="line">
+                <a:avLst/>
+              </a:prstGeom>
+              <a:ln w="38100">
+                <a:solidFill>
+                  <a:schemeClr val="tx1"/>
+                </a:solidFill>
+              </a:ln>
+            </p:spPr>
+            <p:style>
+              <a:lnRef idx="1">
+                <a:schemeClr val="accent1"/>
+              </a:lnRef>
+              <a:fillRef idx="0">
+                <a:schemeClr val="accent1"/>
+              </a:fillRef>
+              <a:effectRef idx="0">
+                <a:schemeClr val="accent1"/>
+              </a:effectRef>
+              <a:fontRef idx="minor">
+                <a:schemeClr val="tx1"/>
+              </a:fontRef>
+            </p:style>
+          </p:cxnSp>
+          <p:cxnSp>
+            <p:nvCxnSpPr>
+              <p:cNvPr id="82" name="Straight Connector 81">
+                <a:extLst>
+                  <a:ext uri="{FF2B5EF4-FFF2-40B4-BE49-F238E27FC236}">
+                    <a16:creationId xmlns:a16="http://schemas.microsoft.com/office/drawing/2014/main" id="{52850802-286B-964F-986D-9D26E9082088}"/>
+                  </a:ext>
+                </a:extLst>
+              </p:cNvPr>
+              <p:cNvCxnSpPr>
+                <a:cxnSpLocks/>
+              </p:cNvCxnSpPr>
+              <p:nvPr/>
+            </p:nvCxnSpPr>
+            <p:spPr>
+              <a:xfrm flipV="1">
+                <a:off x="2084773" y="5473824"/>
+                <a:ext cx="152400" cy="230821"/>
+              </a:xfrm>
+              <a:prstGeom prst="line">
+                <a:avLst/>
+              </a:prstGeom>
+              <a:ln w="38100">
+                <a:solidFill>
+                  <a:schemeClr val="tx1"/>
+                </a:solidFill>
+              </a:ln>
+            </p:spPr>
+            <p:style>
+              <a:lnRef idx="1">
+                <a:schemeClr val="accent1"/>
+              </a:lnRef>
+              <a:fillRef idx="0">
+                <a:schemeClr val="accent1"/>
+              </a:fillRef>
+              <a:effectRef idx="0">
+                <a:schemeClr val="accent1"/>
+              </a:effectRef>
+              <a:fontRef idx="minor">
+                <a:schemeClr val="tx1"/>
+              </a:fontRef>
+            </p:style>
+          </p:cxnSp>
+        </p:grpSp>
+        <p:grpSp>
+          <p:nvGrpSpPr>
+            <p:cNvPr id="78" name="Group 77">
+              <a:extLst>
+                <a:ext uri="{FF2B5EF4-FFF2-40B4-BE49-F238E27FC236}">
+                  <a16:creationId xmlns:a16="http://schemas.microsoft.com/office/drawing/2014/main" id="{E38BFC02-DBBB-5C42-AC53-526FAB8694D2}"/>
+                </a:ext>
+              </a:extLst>
+            </p:cNvPr>
+            <p:cNvGrpSpPr/>
+            <p:nvPr/>
+          </p:nvGrpSpPr>
+          <p:grpSpPr>
+            <a:xfrm rot="3927995">
+              <a:off x="2106127" y="3630460"/>
+              <a:ext cx="238218" cy="309239"/>
+              <a:chOff x="1998955" y="5395406"/>
+              <a:chExt cx="238218" cy="309239"/>
+            </a:xfrm>
+          </p:grpSpPr>
+          <p:cxnSp>
+            <p:nvCxnSpPr>
+              <p:cNvPr id="79" name="Straight Connector 78">
+                <a:extLst>
+                  <a:ext uri="{FF2B5EF4-FFF2-40B4-BE49-F238E27FC236}">
+                    <a16:creationId xmlns:a16="http://schemas.microsoft.com/office/drawing/2014/main" id="{538DCF17-2563-F742-81F7-F403CC3AFA95}"/>
+                  </a:ext>
+                </a:extLst>
+              </p:cNvPr>
+              <p:cNvCxnSpPr>
+                <a:cxnSpLocks/>
+              </p:cNvCxnSpPr>
+              <p:nvPr/>
+            </p:nvCxnSpPr>
+            <p:spPr>
+              <a:xfrm>
+                <a:off x="1998955" y="5395406"/>
+                <a:ext cx="238218" cy="78418"/>
+              </a:xfrm>
+              <a:prstGeom prst="line">
+                <a:avLst/>
+              </a:prstGeom>
+              <a:ln w="38100">
+                <a:solidFill>
+                  <a:schemeClr val="tx1"/>
+                </a:solidFill>
+              </a:ln>
+            </p:spPr>
+            <p:style>
+              <a:lnRef idx="1">
+                <a:schemeClr val="accent1"/>
+              </a:lnRef>
+              <a:fillRef idx="0">
+                <a:schemeClr val="accent1"/>
+              </a:fillRef>
+              <a:effectRef idx="0">
+                <a:schemeClr val="accent1"/>
+              </a:effectRef>
+              <a:fontRef idx="minor">
+                <a:schemeClr val="tx1"/>
+              </a:fontRef>
+            </p:style>
+          </p:cxnSp>
+          <p:cxnSp>
+            <p:nvCxnSpPr>
+              <p:cNvPr id="80" name="Straight Connector 79">
+                <a:extLst>
+                  <a:ext uri="{FF2B5EF4-FFF2-40B4-BE49-F238E27FC236}">
+                    <a16:creationId xmlns:a16="http://schemas.microsoft.com/office/drawing/2014/main" id="{8EFC512E-849D-4447-A690-6E37EC5C5277}"/>
+                  </a:ext>
+                </a:extLst>
+              </p:cNvPr>
+              <p:cNvCxnSpPr>
+                <a:cxnSpLocks/>
+              </p:cNvCxnSpPr>
+              <p:nvPr/>
+            </p:nvCxnSpPr>
+            <p:spPr>
+              <a:xfrm flipV="1">
+                <a:off x="2084773" y="5473824"/>
+                <a:ext cx="152400" cy="230821"/>
+              </a:xfrm>
+              <a:prstGeom prst="line">
+                <a:avLst/>
+              </a:prstGeom>
+              <a:ln w="38100">
+                <a:solidFill>
+                  <a:schemeClr val="tx1"/>
+                </a:solidFill>
+              </a:ln>
+            </p:spPr>
+            <p:style>
+              <a:lnRef idx="1">
+                <a:schemeClr val="accent1"/>
+              </a:lnRef>
+              <a:fillRef idx="0">
+                <a:schemeClr val="accent1"/>
+              </a:fillRef>
+              <a:effectRef idx="0">
+                <a:schemeClr val="accent1"/>
+              </a:effectRef>
+              <a:fontRef idx="minor">
+                <a:schemeClr val="tx1"/>
+              </a:fontRef>
+            </p:style>
+          </p:cxnSp>
+        </p:grpSp>
+      </p:grpSp>
+      <p:sp>
+        <p:nvSpPr>
+          <p:cNvPr id="86" name="TextBox 85">
+            <a:extLst>
+              <a:ext uri="{FF2B5EF4-FFF2-40B4-BE49-F238E27FC236}">
+                <a16:creationId xmlns:a16="http://schemas.microsoft.com/office/drawing/2014/main" id="{3E9B9E9B-4988-894D-BE5C-789C7C2C40AD}"/>
+              </a:ext>
+            </a:extLst>
+          </p:cNvPr>
+          <p:cNvSpPr txBox="1"/>
+          <p:nvPr/>
+        </p:nvSpPr>
+        <p:spPr>
+          <a:xfrm rot="2541881">
+            <a:off x="3430882" y="1950256"/>
+            <a:ext cx="1387040" cy="523220"/>
+          </a:xfrm>
+          <a:prstGeom prst="rect">
+            <a:avLst/>
+          </a:prstGeom>
+          <a:noFill/>
+        </p:spPr>
+        <p:txBody>
+          <a:bodyPr wrap="square" rtlCol="0">
+            <a:spAutoFit/>
+          </a:bodyPr>
+          <a:lstStyle/>
+          <a:p>
+            <a:r>
+              <a:rPr lang="en-US" sz="2800" dirty="0"/>
+              <a:t>Wind</a:t>
+            </a:r>
+          </a:p>
+        </p:txBody>
+      </p:sp>
+    </p:spTree>
+    <p:extLst>
+      <p:ext uri="{BB962C8B-B14F-4D97-AF65-F5344CB8AC3E}">
+        <p14:creationId xmlns:p14="http://schemas.microsoft.com/office/powerpoint/2010/main" val="2979146078"/>
+      </p:ext>
+    </p:extLst>
+  </p:cSld>
+  <p:clrMapOvr>
+    <a:masterClrMapping/>
+  </p:clrMapOvr>
+</p:sld>
+</file>
+
 <file path=ppt/theme/theme1.xml><?xml version="1.0" encoding="utf-8"?>
 <a:theme xmlns:a="http://schemas.openxmlformats.org/drawingml/2006/main" name="Office Theme">
   <a:themeElements>

--- a/DiagramArtwork.pptx
+++ b/DiagramArtwork.pptx
@@ -7,6 +7,7 @@
   <p:sldIdLst>
     <p:sldId id="256" r:id="rId2"/>
     <p:sldId id="257" r:id="rId3"/>
+    <p:sldId id="258" r:id="rId4"/>
   </p:sldIdLst>
   <p:sldSz cx="12192000" cy="6858000"/>
   <p:notesSz cx="6858000" cy="9144000"/>
@@ -6776,6 +6777,280 @@
 </p:sld>
 </file>
 
+<file path=ppt/slides/slide3.xml><?xml version="1.0" encoding="utf-8"?>
+<p:sld xmlns:a="http://schemas.openxmlformats.org/drawingml/2006/main" xmlns:r="http://schemas.openxmlformats.org/officeDocument/2006/relationships" xmlns:p="http://schemas.openxmlformats.org/presentationml/2006/main">
+  <p:cSld>
+    <p:spTree>
+      <p:nvGrpSpPr>
+        <p:cNvPr id="1" name=""/>
+        <p:cNvGrpSpPr/>
+        <p:nvPr/>
+      </p:nvGrpSpPr>
+      <p:grpSpPr>
+        <a:xfrm>
+          <a:off x="0" y="0"/>
+          <a:ext cx="0" cy="0"/>
+          <a:chOff x="0" y="0"/>
+          <a:chExt cx="0" cy="0"/>
+        </a:xfrm>
+      </p:grpSpPr>
+      <p:pic>
+        <p:nvPicPr>
+          <p:cNvPr id="3074" name="Picture 2">
+            <a:extLst>
+              <a:ext uri="{FF2B5EF4-FFF2-40B4-BE49-F238E27FC236}">
+                <a16:creationId xmlns:a16="http://schemas.microsoft.com/office/drawing/2014/main" id="{C247AE29-C93A-1748-B7D4-111C3EDD3BFD}"/>
+              </a:ext>
+            </a:extLst>
+          </p:cNvPr>
+          <p:cNvPicPr>
+            <a:picLocks noChangeAspect="1" noChangeArrowheads="1"/>
+          </p:cNvPicPr>
+          <p:nvPr/>
+        </p:nvPicPr>
+        <p:blipFill>
+          <a:blip r:embed="rId2">
+            <a:extLst>
+              <a:ext uri="{28A0092B-C50C-407E-A947-70E740481C1C}">
+                <a14:useLocalDpi xmlns:a14="http://schemas.microsoft.com/office/drawing/2010/main" val="0"/>
+              </a:ext>
+            </a:extLst>
+          </a:blip>
+          <a:srcRect/>
+          <a:stretch>
+            <a:fillRect/>
+          </a:stretch>
+        </p:blipFill>
+        <p:spPr bwMode="auto">
+          <a:xfrm>
+            <a:off x="1608293" y="1198657"/>
+            <a:ext cx="8975414" cy="1423520"/>
+          </a:xfrm>
+          <a:prstGeom prst="rect">
+            <a:avLst/>
+          </a:prstGeom>
+          <a:noFill/>
+          <a:extLst>
+            <a:ext uri="{909E8E84-426E-40DD-AFC4-6F175D3DCCD1}">
+              <a14:hiddenFill xmlns:a14="http://schemas.microsoft.com/office/drawing/2010/main">
+                <a:solidFill>
+                  <a:srgbClr val="FFFFFF"/>
+                </a:solidFill>
+              </a14:hiddenFill>
+            </a:ext>
+          </a:extLst>
+        </p:spPr>
+      </p:pic>
+      <p:sp>
+        <p:nvSpPr>
+          <p:cNvPr id="5" name="TextBox 4">
+            <a:extLst>
+              <a:ext uri="{FF2B5EF4-FFF2-40B4-BE49-F238E27FC236}">
+                <a16:creationId xmlns:a16="http://schemas.microsoft.com/office/drawing/2014/main" id="{85B74427-34F8-6B4D-844C-E92BC7760C2C}"/>
+              </a:ext>
+            </a:extLst>
+          </p:cNvPr>
+          <p:cNvSpPr txBox="1"/>
+          <p:nvPr/>
+        </p:nvSpPr>
+        <p:spPr>
+          <a:xfrm>
+            <a:off x="4347823" y="282637"/>
+            <a:ext cx="2904565" cy="523220"/>
+          </a:xfrm>
+          <a:prstGeom prst="rect">
+            <a:avLst/>
+          </a:prstGeom>
+          <a:noFill/>
+        </p:spPr>
+        <p:txBody>
+          <a:bodyPr wrap="square" rtlCol="0">
+            <a:spAutoFit/>
+          </a:bodyPr>
+          <a:lstStyle/>
+          <a:p>
+            <a:r>
+              <a:rPr lang="en-US" sz="2800" dirty="0"/>
+              <a:t>Return to Harbour </a:t>
+            </a:r>
+          </a:p>
+        </p:txBody>
+      </p:sp>
+      <p:cxnSp>
+        <p:nvCxnSpPr>
+          <p:cNvPr id="6" name="Straight Connector 5">
+            <a:extLst>
+              <a:ext uri="{FF2B5EF4-FFF2-40B4-BE49-F238E27FC236}">
+                <a16:creationId xmlns:a16="http://schemas.microsoft.com/office/drawing/2014/main" id="{F0223C75-EDAD-244E-9207-B47F38E43B97}"/>
+              </a:ext>
+            </a:extLst>
+          </p:cNvPr>
+          <p:cNvCxnSpPr>
+            <a:cxnSpLocks/>
+          </p:cNvCxnSpPr>
+          <p:nvPr/>
+        </p:nvCxnSpPr>
+        <p:spPr>
+          <a:xfrm flipV="1">
+            <a:off x="5800106" y="805857"/>
+            <a:ext cx="0" cy="5110849"/>
+          </a:xfrm>
+          <a:prstGeom prst="line">
+            <a:avLst/>
+          </a:prstGeom>
+          <a:ln w="60325">
+            <a:tailEnd type="triangle" w="lg" len="lg"/>
+          </a:ln>
+        </p:spPr>
+        <p:style>
+          <a:lnRef idx="1">
+            <a:schemeClr val="accent1"/>
+          </a:lnRef>
+          <a:fillRef idx="0">
+            <a:schemeClr val="accent1"/>
+          </a:fillRef>
+          <a:effectRef idx="0">
+            <a:schemeClr val="accent1"/>
+          </a:effectRef>
+          <a:fontRef idx="minor">
+            <a:schemeClr val="tx1"/>
+          </a:fontRef>
+        </p:style>
+      </p:cxnSp>
+      <p:sp>
+        <p:nvSpPr>
+          <p:cNvPr id="8" name="TextBox 7">
+            <a:extLst>
+              <a:ext uri="{FF2B5EF4-FFF2-40B4-BE49-F238E27FC236}">
+                <a16:creationId xmlns:a16="http://schemas.microsoft.com/office/drawing/2014/main" id="{DD97A533-89EF-034E-94C9-872CD00959AF}"/>
+              </a:ext>
+            </a:extLst>
+          </p:cNvPr>
+          <p:cNvSpPr txBox="1"/>
+          <p:nvPr/>
+        </p:nvSpPr>
+        <p:spPr>
+          <a:xfrm>
+            <a:off x="5163580" y="1769830"/>
+            <a:ext cx="1273049" cy="523220"/>
+          </a:xfrm>
+          <a:prstGeom prst="rect">
+            <a:avLst/>
+          </a:prstGeom>
+          <a:solidFill>
+            <a:schemeClr val="bg1"/>
+          </a:solidFill>
+        </p:spPr>
+        <p:txBody>
+          <a:bodyPr wrap="square" rtlCol="0">
+            <a:spAutoFit/>
+          </a:bodyPr>
+          <a:lstStyle/>
+          <a:p>
+            <a:r>
+              <a:rPr lang="en-US" sz="2800" b="1" dirty="0"/>
+              <a:t>IALA: A</a:t>
+            </a:r>
+          </a:p>
+        </p:txBody>
+      </p:sp>
+      <p:pic>
+        <p:nvPicPr>
+          <p:cNvPr id="3076" name="Picture 4">
+            <a:extLst>
+              <a:ext uri="{FF2B5EF4-FFF2-40B4-BE49-F238E27FC236}">
+                <a16:creationId xmlns:a16="http://schemas.microsoft.com/office/drawing/2014/main" id="{B35791A6-8E61-294C-AD92-10114A8C115F}"/>
+              </a:ext>
+            </a:extLst>
+          </p:cNvPr>
+          <p:cNvPicPr>
+            <a:picLocks noChangeAspect="1" noChangeArrowheads="1"/>
+          </p:cNvPicPr>
+          <p:nvPr/>
+        </p:nvPicPr>
+        <p:blipFill>
+          <a:blip r:embed="rId3">
+            <a:extLst>
+              <a:ext uri="{28A0092B-C50C-407E-A947-70E740481C1C}">
+                <a14:useLocalDpi xmlns:a14="http://schemas.microsoft.com/office/drawing/2010/main" val="0"/>
+              </a:ext>
+            </a:extLst>
+          </a:blip>
+          <a:srcRect/>
+          <a:stretch>
+            <a:fillRect/>
+          </a:stretch>
+        </p:blipFill>
+        <p:spPr bwMode="auto">
+          <a:xfrm>
+            <a:off x="1506077" y="3740150"/>
+            <a:ext cx="9079026" cy="1800038"/>
+          </a:xfrm>
+          <a:prstGeom prst="rect">
+            <a:avLst/>
+          </a:prstGeom>
+          <a:noFill/>
+          <a:extLst>
+            <a:ext uri="{909E8E84-426E-40DD-AFC4-6F175D3DCCD1}">
+              <a14:hiddenFill xmlns:a14="http://schemas.microsoft.com/office/drawing/2010/main">
+                <a:solidFill>
+                  <a:srgbClr val="FFFFFF"/>
+                </a:solidFill>
+              </a14:hiddenFill>
+            </a:ext>
+          </a:extLst>
+        </p:spPr>
+      </p:pic>
+      <p:sp>
+        <p:nvSpPr>
+          <p:cNvPr id="10" name="TextBox 9">
+            <a:extLst>
+              <a:ext uri="{FF2B5EF4-FFF2-40B4-BE49-F238E27FC236}">
+                <a16:creationId xmlns:a16="http://schemas.microsoft.com/office/drawing/2014/main" id="{C6409CF2-CEDA-7E4D-A78B-3C3C66096289}"/>
+              </a:ext>
+            </a:extLst>
+          </p:cNvPr>
+          <p:cNvSpPr txBox="1"/>
+          <p:nvPr/>
+        </p:nvSpPr>
+        <p:spPr>
+          <a:xfrm>
+            <a:off x="5087380" y="4638254"/>
+            <a:ext cx="1273049" cy="523220"/>
+          </a:xfrm>
+          <a:prstGeom prst="rect">
+            <a:avLst/>
+          </a:prstGeom>
+          <a:solidFill>
+            <a:schemeClr val="bg1"/>
+          </a:solidFill>
+        </p:spPr>
+        <p:txBody>
+          <a:bodyPr wrap="square" rtlCol="0">
+            <a:spAutoFit/>
+          </a:bodyPr>
+          <a:lstStyle/>
+          <a:p>
+            <a:r>
+              <a:rPr lang="en-US" sz="2800" b="1" dirty="0"/>
+              <a:t>IALA: B</a:t>
+            </a:r>
+          </a:p>
+        </p:txBody>
+      </p:sp>
+    </p:spTree>
+    <p:extLst>
+      <p:ext uri="{BB962C8B-B14F-4D97-AF65-F5344CB8AC3E}">
+        <p14:creationId xmlns:p14="http://schemas.microsoft.com/office/powerpoint/2010/main" val="1546779204"/>
+      </p:ext>
+    </p:extLst>
+  </p:cSld>
+  <p:clrMapOvr>
+    <a:masterClrMapping/>
+  </p:clrMapOvr>
+</p:sld>
+</file>
+
 <file path=ppt/theme/theme1.xml><?xml version="1.0" encoding="utf-8"?>
 <a:theme xmlns:a="http://schemas.openxmlformats.org/drawingml/2006/main" name="Office Theme">
   <a:themeElements>
